--- a/6wk-JSON-2020.pptx
+++ b/6wk-JSON-2020.pptx
@@ -5,7 +5,7 @@
     <p:sldMasterId id="2147483649" r:id="rId1"/>
   </p:sldMasterIdLst>
   <p:notesMasterIdLst>
-    <p:notesMasterId r:id="rId14"/>
+    <p:notesMasterId r:id="rId16"/>
   </p:notesMasterIdLst>
   <p:sldIdLst>
     <p:sldId id="256" r:id="rId2"/>
@@ -19,7 +19,9 @@
     <p:sldId id="376" r:id="rId10"/>
     <p:sldId id="443" r:id="rId11"/>
     <p:sldId id="439" r:id="rId12"/>
-    <p:sldId id="261" r:id="rId13"/>
+    <p:sldId id="444" r:id="rId13"/>
+    <p:sldId id="445" r:id="rId14"/>
+    <p:sldId id="261" r:id="rId15"/>
   </p:sldIdLst>
   <p:sldSz cx="9144000" cy="6858000" type="screen4x3"/>
   <p:notesSz cx="6858000" cy="9144000"/>
@@ -1697,7 +1699,7 @@
             <a:fld id="{D2E1096D-3B26-4365-A11E-C270FA89D808}" type="slidenum">
               <a:rPr lang="en-US" altLang="ko-KR" sz="1200" smtClean="0"/>
               <a:pPr/>
-              <a:t>12</a:t>
+              <a:t>14</a:t>
             </a:fld>
             <a:endParaRPr lang="en-US" altLang="ko-KR" sz="1200"/>
           </a:p>
@@ -7180,26 +7182,17 @@
           <a:lstStyle/>
           <a:p>
             <a:pPr eaLnBrk="1" hangingPunct="1"/>
-            <a:r>
-              <a:rPr lang="en-US" altLang="ko-KR" sz="3600" dirty="0">
-                <a:ea typeface="굴림" panose="020B0600000101010101" pitchFamily="50" charset="-127"/>
-              </a:rPr>
-              <a:t/>
-            </a:r>
             <a:br>
               <a:rPr lang="en-US" altLang="ko-KR" sz="3600" dirty="0">
                 <a:ea typeface="굴림" panose="020B0600000101010101" pitchFamily="50" charset="-127"/>
               </a:rPr>
             </a:br>
             <a:r>
-              <a:rPr lang="en-US" altLang="ko-KR" sz="3600" dirty="0" smtClean="0">
+              <a:rPr lang="en-US" altLang="ko-KR" sz="3600" dirty="0">
                 <a:ea typeface="굴림" panose="020B0600000101010101" pitchFamily="50" charset="-127"/>
               </a:rPr>
               <a:t>JSON</a:t>
             </a:r>
-            <a:endParaRPr lang="en-US" altLang="ko-KR" sz="3600" dirty="0">
-              <a:ea typeface="굴림" panose="020B0600000101010101" pitchFamily="50" charset="-127"/>
-            </a:endParaRPr>
           </a:p>
         </p:txBody>
       </p:sp>
@@ -7237,14 +7230,11 @@
               <a:buNone/>
             </a:pPr>
             <a:r>
-              <a:rPr lang="ko-KR" altLang="en-US" sz="2400" dirty="0" smtClean="0">
+              <a:rPr lang="ko-KR" altLang="en-US" sz="2400" dirty="0">
                 <a:ea typeface="굴림" panose="020B0600000101010101" pitchFamily="50" charset="-127"/>
               </a:rPr>
               <a:t>백석대학교 강윤희</a:t>
             </a:r>
-            <a:endParaRPr lang="ko-KR" altLang="en-US" sz="2400" dirty="0">
-              <a:ea typeface="굴림" panose="020B0600000101010101" pitchFamily="50" charset="-127"/>
-            </a:endParaRPr>
           </a:p>
         </p:txBody>
       </p:sp>
@@ -7665,6 +7655,505 @@
       </p:grpSpPr>
       <p:sp>
         <p:nvSpPr>
+          <p:cNvPr id="2" name="제목 1">
+            <a:extLst>
+              <a:ext uri="{FF2B5EF4-FFF2-40B4-BE49-F238E27FC236}">
+                <a16:creationId xmlns:a16="http://schemas.microsoft.com/office/drawing/2014/main" id="{72CBEFF4-5C4B-4EF8-8897-017E5A85B17E}"/>
+              </a:ext>
+            </a:extLst>
+          </p:cNvPr>
+          <p:cNvSpPr>
+            <a:spLocks noGrp="1"/>
+          </p:cNvSpPr>
+          <p:nvPr>
+            <p:ph type="title"/>
+          </p:nvPr>
+        </p:nvSpPr>
+        <p:spPr/>
+        <p:txBody>
+          <a:bodyPr/>
+          <a:lstStyle/>
+          <a:p>
+            <a:r>
+              <a:rPr lang="en-US" altLang="ko-KR" dirty="0"/>
+              <a:t>JSON </a:t>
+            </a:r>
+            <a:r>
+              <a:rPr lang="ko-KR" altLang="en-US" dirty="0"/>
+              <a:t>자료 처리</a:t>
+            </a:r>
+          </a:p>
+        </p:txBody>
+      </p:sp>
+      <p:sp>
+        <p:nvSpPr>
+          <p:cNvPr id="3" name="내용 개체 틀 2">
+            <a:extLst>
+              <a:ext uri="{FF2B5EF4-FFF2-40B4-BE49-F238E27FC236}">
+                <a16:creationId xmlns:a16="http://schemas.microsoft.com/office/drawing/2014/main" id="{F5F92AE6-998D-49A8-9D23-F421325C89CF}"/>
+              </a:ext>
+            </a:extLst>
+          </p:cNvPr>
+          <p:cNvSpPr>
+            <a:spLocks noGrp="1"/>
+          </p:cNvSpPr>
+          <p:nvPr>
+            <p:ph idx="1"/>
+          </p:nvPr>
+        </p:nvSpPr>
+        <p:spPr/>
+        <p:txBody>
+          <a:bodyPr/>
+          <a:lstStyle/>
+          <a:p>
+            <a:r>
+              <a:rPr lang="en-US" altLang="ko-KR" sz="2400" b="0" i="0" dirty="0">
+                <a:solidFill>
+                  <a:srgbClr val="000000"/>
+                </a:solidFill>
+                <a:effectLst/>
+                <a:latin typeface="Verdana" panose="020B0604030504040204" pitchFamily="34" charset="0"/>
+              </a:rPr>
+              <a:t>Convert from JSON(</a:t>
+            </a:r>
+            <a:r>
+              <a:rPr lang="ko-KR" altLang="en-US" sz="2400" b="0" i="0" dirty="0">
+                <a:solidFill>
+                  <a:srgbClr val="000000"/>
+                </a:solidFill>
+                <a:effectLst/>
+                <a:latin typeface="Verdana" panose="020B0604030504040204" pitchFamily="34" charset="0"/>
+              </a:rPr>
+              <a:t>문자열</a:t>
+            </a:r>
+            <a:r>
+              <a:rPr lang="en-US" altLang="ko-KR" sz="2400" b="0" i="0" dirty="0">
+                <a:solidFill>
+                  <a:srgbClr val="000000"/>
+                </a:solidFill>
+                <a:effectLst/>
+                <a:latin typeface="Verdana" panose="020B0604030504040204" pitchFamily="34" charset="0"/>
+              </a:rPr>
+              <a:t>) to Python(</a:t>
+            </a:r>
+            <a:r>
+              <a:rPr lang="ko-KR" altLang="en-US" sz="2400" b="0" i="0" dirty="0" err="1">
+                <a:solidFill>
+                  <a:srgbClr val="000000"/>
+                </a:solidFill>
+                <a:effectLst/>
+                <a:latin typeface="Verdana" panose="020B0604030504040204" pitchFamily="34" charset="0"/>
+              </a:rPr>
+              <a:t>딕셔너리</a:t>
+            </a:r>
+            <a:r>
+              <a:rPr lang="en-US" altLang="ko-KR" sz="2400" b="0" i="0" dirty="0">
+                <a:solidFill>
+                  <a:srgbClr val="000000"/>
+                </a:solidFill>
+                <a:effectLst/>
+                <a:latin typeface="Verdana" panose="020B0604030504040204" pitchFamily="34" charset="0"/>
+              </a:rPr>
+              <a:t>)</a:t>
+            </a:r>
+            <a:endParaRPr lang="ko-KR" altLang="en-US" sz="2400" dirty="0"/>
+          </a:p>
+        </p:txBody>
+      </p:sp>
+      <p:pic>
+        <p:nvPicPr>
+          <p:cNvPr id="5" name="그림 4">
+            <a:extLst>
+              <a:ext uri="{FF2B5EF4-FFF2-40B4-BE49-F238E27FC236}">
+                <a16:creationId xmlns:a16="http://schemas.microsoft.com/office/drawing/2014/main" id="{7D36B86E-BADF-4C1B-8B51-E02DE0BE50EC}"/>
+              </a:ext>
+            </a:extLst>
+          </p:cNvPr>
+          <p:cNvPicPr>
+            <a:picLocks noChangeAspect="1"/>
+          </p:cNvPicPr>
+          <p:nvPr/>
+        </p:nvPicPr>
+        <p:blipFill>
+          <a:blip r:embed="rId2"/>
+          <a:stretch>
+            <a:fillRect/>
+          </a:stretch>
+        </p:blipFill>
+        <p:spPr>
+          <a:xfrm>
+            <a:off x="685800" y="2209800"/>
+            <a:ext cx="5400675" cy="2790825"/>
+          </a:xfrm>
+          <a:prstGeom prst="rect">
+            <a:avLst/>
+          </a:prstGeom>
+        </p:spPr>
+      </p:pic>
+      <p:sp>
+        <p:nvSpPr>
+          <p:cNvPr id="7" name="TextBox 6">
+            <a:extLst>
+              <a:ext uri="{FF2B5EF4-FFF2-40B4-BE49-F238E27FC236}">
+                <a16:creationId xmlns:a16="http://schemas.microsoft.com/office/drawing/2014/main" id="{54EC5254-739A-400F-8F08-73198305C7BB}"/>
+              </a:ext>
+            </a:extLst>
+          </p:cNvPr>
+          <p:cNvSpPr txBox="1"/>
+          <p:nvPr/>
+        </p:nvSpPr>
+        <p:spPr>
+          <a:xfrm>
+            <a:off x="838200" y="5497286"/>
+            <a:ext cx="7543800" cy="461665"/>
+          </a:xfrm>
+          <a:prstGeom prst="rect">
+            <a:avLst/>
+          </a:prstGeom>
+          <a:noFill/>
+        </p:spPr>
+        <p:txBody>
+          <a:bodyPr wrap="square">
+            <a:spAutoFit/>
+          </a:bodyPr>
+          <a:lstStyle/>
+          <a:p>
+            <a:r>
+              <a:rPr lang="ko-KR" altLang="en-US" dirty="0"/>
+              <a:t>https://www.w3schools.com/python/python_json.asp</a:t>
+            </a:r>
+          </a:p>
+        </p:txBody>
+      </p:sp>
+      <p:sp>
+        <p:nvSpPr>
+          <p:cNvPr id="8" name="TextBox 7">
+            <a:extLst>
+              <a:ext uri="{FF2B5EF4-FFF2-40B4-BE49-F238E27FC236}">
+                <a16:creationId xmlns:a16="http://schemas.microsoft.com/office/drawing/2014/main" id="{031AA742-EA4A-4B2D-82E1-CBF7360E7D03}"/>
+              </a:ext>
+            </a:extLst>
+          </p:cNvPr>
+          <p:cNvSpPr txBox="1"/>
+          <p:nvPr/>
+        </p:nvSpPr>
+        <p:spPr>
+          <a:xfrm>
+            <a:off x="2667000" y="3752056"/>
+            <a:ext cx="2682145" cy="461665"/>
+          </a:xfrm>
+          <a:prstGeom prst="rect">
+            <a:avLst/>
+          </a:prstGeom>
+          <a:noFill/>
+        </p:spPr>
+        <p:txBody>
+          <a:bodyPr wrap="none" rtlCol="0">
+            <a:spAutoFit/>
+          </a:bodyPr>
+          <a:lstStyle/>
+          <a:p>
+            <a:r>
+              <a:rPr lang="ko-KR" altLang="en-US" dirty="0">
+                <a:solidFill>
+                  <a:schemeClr val="accent2"/>
+                </a:solidFill>
+              </a:rPr>
+              <a:t>오픈</a:t>
+            </a:r>
+            <a:r>
+              <a:rPr lang="en-US" altLang="ko-KR" dirty="0">
+                <a:solidFill>
+                  <a:schemeClr val="accent2"/>
+                </a:solidFill>
+              </a:rPr>
+              <a:t>API </a:t>
+            </a:r>
+            <a:r>
+              <a:rPr lang="ko-KR" altLang="en-US" dirty="0">
+                <a:solidFill>
+                  <a:schemeClr val="accent2"/>
+                </a:solidFill>
+              </a:rPr>
+              <a:t>응답 처리</a:t>
+            </a:r>
+          </a:p>
+        </p:txBody>
+      </p:sp>
+      <p:sp>
+        <p:nvSpPr>
+          <p:cNvPr id="9" name="직사각형 8">
+            <a:extLst>
+              <a:ext uri="{FF2B5EF4-FFF2-40B4-BE49-F238E27FC236}">
+                <a16:creationId xmlns:a16="http://schemas.microsoft.com/office/drawing/2014/main" id="{09BAE727-3C85-4C76-8FC4-74D1E2FA28F6}"/>
+              </a:ext>
+            </a:extLst>
+          </p:cNvPr>
+          <p:cNvSpPr/>
+          <p:nvPr/>
+        </p:nvSpPr>
+        <p:spPr bwMode="auto">
+          <a:xfrm>
+            <a:off x="685800" y="3605212"/>
+            <a:ext cx="5400675" cy="1700213"/>
+          </a:xfrm>
+          <a:prstGeom prst="rect">
+            <a:avLst/>
+          </a:prstGeom>
+          <a:noFill/>
+          <a:ln w="19050" cap="flat" cmpd="sng" algn="ctr">
+            <a:solidFill>
+              <a:schemeClr val="tx1"/>
+            </a:solidFill>
+            <a:prstDash val="solid"/>
+            <a:round/>
+            <a:headEnd type="none" w="med" len="med"/>
+            <a:tailEnd type="none" w="med" len="med"/>
+          </a:ln>
+          <a:effectLst/>
+        </p:spPr>
+        <p:txBody>
+          <a:bodyPr vert="horz" wrap="square" lIns="91440" tIns="45720" rIns="91440" bIns="45720" numCol="1" rtlCol="0" anchor="t" anchorCtr="0" compatLnSpc="1">
+            <a:prstTxWarp prst="textNoShape">
+              <a:avLst/>
+            </a:prstTxWarp>
+          </a:bodyPr>
+          <a:lstStyle/>
+          <a:p>
+            <a:pPr marL="0" marR="0" indent="0" algn="l" defTabSz="914400" rtl="0" eaLnBrk="0" fontAlgn="base" latinLnBrk="0" hangingPunct="0">
+              <a:lnSpc>
+                <a:spcPct val="100000"/>
+              </a:lnSpc>
+              <a:spcBef>
+                <a:spcPct val="0"/>
+              </a:spcBef>
+              <a:spcAft>
+                <a:spcPct val="0"/>
+              </a:spcAft>
+              <a:buClrTx/>
+              <a:buSzTx/>
+              <a:buFontTx/>
+              <a:buNone/>
+              <a:tabLst/>
+            </a:pPr>
+            <a:endParaRPr kumimoji="0" lang="ko-KR" altLang="en-US" sz="2400" b="0" i="0" u="none" strike="noStrike" cap="none" normalizeH="0" baseline="0">
+              <a:ln>
+                <a:noFill/>
+              </a:ln>
+              <a:solidFill>
+                <a:schemeClr val="tx1"/>
+              </a:solidFill>
+              <a:effectLst/>
+              <a:latin typeface="Times" pitchFamily="16" charset="0"/>
+            </a:endParaRPr>
+          </a:p>
+        </p:txBody>
+      </p:sp>
+    </p:spTree>
+    <p:extLst>
+      <p:ext uri="{BB962C8B-B14F-4D97-AF65-F5344CB8AC3E}">
+        <p14:creationId xmlns:p14="http://schemas.microsoft.com/office/powerpoint/2010/main" val="2440188018"/>
+      </p:ext>
+    </p:extLst>
+  </p:cSld>
+  <p:clrMapOvr>
+    <a:masterClrMapping/>
+  </p:clrMapOvr>
+</p:sld>
+</file>
+
+<file path=ppt/slides/slide13.xml><?xml version="1.0" encoding="utf-8"?>
+<p:sld xmlns:a="http://schemas.openxmlformats.org/drawingml/2006/main" xmlns:r="http://schemas.openxmlformats.org/officeDocument/2006/relationships" xmlns:p="http://schemas.openxmlformats.org/presentationml/2006/main">
+  <p:cSld>
+    <p:spTree>
+      <p:nvGrpSpPr>
+        <p:cNvPr id="1" name=""/>
+        <p:cNvGrpSpPr/>
+        <p:nvPr/>
+      </p:nvGrpSpPr>
+      <p:grpSpPr>
+        <a:xfrm>
+          <a:off x="0" y="0"/>
+          <a:ext cx="0" cy="0"/>
+          <a:chOff x="0" y="0"/>
+          <a:chExt cx="0" cy="0"/>
+        </a:xfrm>
+      </p:grpSpPr>
+      <p:sp>
+        <p:nvSpPr>
+          <p:cNvPr id="2" name="제목 1">
+            <a:extLst>
+              <a:ext uri="{FF2B5EF4-FFF2-40B4-BE49-F238E27FC236}">
+                <a16:creationId xmlns:a16="http://schemas.microsoft.com/office/drawing/2014/main" id="{8128179B-0ADD-475C-A4AC-2DD6A522DC09}"/>
+              </a:ext>
+            </a:extLst>
+          </p:cNvPr>
+          <p:cNvSpPr>
+            <a:spLocks noGrp="1"/>
+          </p:cNvSpPr>
+          <p:nvPr>
+            <p:ph type="title"/>
+          </p:nvPr>
+        </p:nvSpPr>
+        <p:spPr/>
+        <p:txBody>
+          <a:bodyPr/>
+          <a:lstStyle/>
+          <a:p>
+            <a:r>
+              <a:rPr lang="en-US" altLang="ko-KR" dirty="0"/>
+              <a:t>JSON </a:t>
+            </a:r>
+            <a:r>
+              <a:rPr lang="ko-KR" altLang="en-US" dirty="0"/>
+              <a:t>자료 처리</a:t>
+            </a:r>
+          </a:p>
+        </p:txBody>
+      </p:sp>
+      <p:sp>
+        <p:nvSpPr>
+          <p:cNvPr id="3" name="내용 개체 틀 2">
+            <a:extLst>
+              <a:ext uri="{FF2B5EF4-FFF2-40B4-BE49-F238E27FC236}">
+                <a16:creationId xmlns:a16="http://schemas.microsoft.com/office/drawing/2014/main" id="{B81E6194-E00F-4623-96E5-47ECB12CEE59}"/>
+              </a:ext>
+            </a:extLst>
+          </p:cNvPr>
+          <p:cNvSpPr>
+            <a:spLocks noGrp="1"/>
+          </p:cNvSpPr>
+          <p:nvPr>
+            <p:ph idx="1"/>
+          </p:nvPr>
+        </p:nvSpPr>
+        <p:spPr/>
+        <p:txBody>
+          <a:bodyPr/>
+          <a:lstStyle/>
+          <a:p>
+            <a:pPr algn="l"/>
+            <a:r>
+              <a:rPr lang="en-US" altLang="ko-KR" sz="2400" b="0" i="0" dirty="0">
+                <a:solidFill>
+                  <a:srgbClr val="000000"/>
+                </a:solidFill>
+                <a:effectLst/>
+                <a:latin typeface="Verdana" panose="020B0604030504040204" pitchFamily="34" charset="0"/>
+              </a:rPr>
+              <a:t>Convert from Python(</a:t>
+            </a:r>
+            <a:r>
+              <a:rPr lang="ko-KR" altLang="en-US" sz="2400" b="0" i="0" dirty="0" err="1">
+                <a:solidFill>
+                  <a:srgbClr val="000000"/>
+                </a:solidFill>
+                <a:effectLst/>
+                <a:latin typeface="Verdana" panose="020B0604030504040204" pitchFamily="34" charset="0"/>
+              </a:rPr>
+              <a:t>디셔너리</a:t>
+            </a:r>
+            <a:r>
+              <a:rPr lang="en-US" altLang="ko-KR" sz="2400" b="0" i="0" dirty="0">
+                <a:solidFill>
+                  <a:srgbClr val="000000"/>
+                </a:solidFill>
+                <a:effectLst/>
+                <a:latin typeface="Verdana" panose="020B0604030504040204" pitchFamily="34" charset="0"/>
+              </a:rPr>
+              <a:t>) to JSON(</a:t>
+            </a:r>
+            <a:r>
+              <a:rPr lang="ko-KR" altLang="en-US" sz="2400" b="0" i="0" dirty="0">
+                <a:solidFill>
+                  <a:srgbClr val="000000"/>
+                </a:solidFill>
+                <a:effectLst/>
+                <a:latin typeface="Verdana" panose="020B0604030504040204" pitchFamily="34" charset="0"/>
+              </a:rPr>
+              <a:t>문자열</a:t>
+            </a:r>
+            <a:r>
+              <a:rPr lang="en-US" altLang="ko-KR" sz="2400" b="0" i="0" dirty="0">
+                <a:solidFill>
+                  <a:srgbClr val="000000"/>
+                </a:solidFill>
+                <a:effectLst/>
+                <a:latin typeface="Verdana" panose="020B0604030504040204" pitchFamily="34" charset="0"/>
+              </a:rPr>
+              <a:t>):</a:t>
+            </a:r>
+          </a:p>
+          <a:p>
+            <a:pPr marL="0" indent="0">
+              <a:buNone/>
+            </a:pPr>
+            <a:endParaRPr lang="ko-KR" altLang="en-US" dirty="0"/>
+          </a:p>
+        </p:txBody>
+      </p:sp>
+      <p:pic>
+        <p:nvPicPr>
+          <p:cNvPr id="5" name="그림 4">
+            <a:extLst>
+              <a:ext uri="{FF2B5EF4-FFF2-40B4-BE49-F238E27FC236}">
+                <a16:creationId xmlns:a16="http://schemas.microsoft.com/office/drawing/2014/main" id="{36B37E1A-FB55-46B4-8C7D-282956E535AE}"/>
+              </a:ext>
+            </a:extLst>
+          </p:cNvPr>
+          <p:cNvPicPr>
+            <a:picLocks noChangeAspect="1"/>
+          </p:cNvPicPr>
+          <p:nvPr/>
+        </p:nvPicPr>
+        <p:blipFill>
+          <a:blip r:embed="rId2"/>
+          <a:stretch>
+            <a:fillRect/>
+          </a:stretch>
+        </p:blipFill>
+        <p:spPr>
+          <a:xfrm>
+            <a:off x="914400" y="2133600"/>
+            <a:ext cx="3600450" cy="3819525"/>
+          </a:xfrm>
+          <a:prstGeom prst="rect">
+            <a:avLst/>
+          </a:prstGeom>
+        </p:spPr>
+      </p:pic>
+    </p:spTree>
+    <p:extLst>
+      <p:ext uri="{BB962C8B-B14F-4D97-AF65-F5344CB8AC3E}">
+        <p14:creationId xmlns:p14="http://schemas.microsoft.com/office/powerpoint/2010/main" val="2103331540"/>
+      </p:ext>
+    </p:extLst>
+  </p:cSld>
+  <p:clrMapOvr>
+    <a:masterClrMapping/>
+  </p:clrMapOvr>
+</p:sld>
+</file>
+
+<file path=ppt/slides/slide14.xml><?xml version="1.0" encoding="utf-8"?>
+<p:sld xmlns:a="http://schemas.openxmlformats.org/drawingml/2006/main" xmlns:r="http://schemas.openxmlformats.org/officeDocument/2006/relationships" xmlns:p="http://schemas.openxmlformats.org/presentationml/2006/main">
+  <p:cSld>
+    <p:spTree>
+      <p:nvGrpSpPr>
+        <p:cNvPr id="1" name=""/>
+        <p:cNvGrpSpPr/>
+        <p:nvPr/>
+      </p:nvGrpSpPr>
+      <p:grpSpPr>
+        <a:xfrm>
+          <a:off x="0" y="0"/>
+          <a:ext cx="0" cy="0"/>
+          <a:chOff x="0" y="0"/>
+          <a:chExt cx="0" cy="0"/>
+        </a:xfrm>
+      </p:grpSpPr>
+      <p:sp>
+        <p:nvSpPr>
           <p:cNvPr id="34818" name="Rectangle 2">
             <a:extLst>
               <a:ext uri="{FF2B5EF4-FFF2-40B4-BE49-F238E27FC236}">
@@ -8330,34 +8819,16 @@
           <a:p>
             <a:pPr eaLnBrk="1" hangingPunct="1"/>
             <a:r>
-              <a:rPr lang="en-US" altLang="ko-KR" dirty="0" smtClean="0">
+              <a:rPr lang="en-US" altLang="ko-KR" dirty="0">
                 <a:ea typeface="굴림" panose="020B0600000101010101" pitchFamily="50" charset="-127"/>
               </a:rPr>
               <a:t>(JSON) </a:t>
             </a:r>
             <a:r>
-              <a:rPr lang="ko-KR" altLang="en-US" dirty="0" smtClean="0">
-                <a:ea typeface="굴림" panose="020B0600000101010101" pitchFamily="50" charset="-127"/>
-              </a:rPr>
-              <a:t>자료를 표현할 </a:t>
-            </a:r>
-            <a:r>
               <a:rPr lang="ko-KR" altLang="en-US" dirty="0">
                 <a:ea typeface="굴림" panose="020B0600000101010101" pitchFamily="50" charset="-127"/>
               </a:rPr>
-              <a:t>수 있는 </a:t>
-            </a:r>
-            <a:r>
-              <a:rPr lang="ko-KR" altLang="en-US" dirty="0" smtClean="0">
-                <a:ea typeface="굴림" panose="020B0600000101010101" pitchFamily="50" charset="-127"/>
-              </a:rPr>
-              <a:t>형식을 </a:t>
-            </a:r>
-            <a:r>
-              <a:rPr lang="ko-KR" altLang="en-US" dirty="0">
-                <a:ea typeface="굴림" panose="020B0600000101010101" pitchFamily="50" charset="-127"/>
-              </a:rPr>
-              <a:t>찾아본다</a:t>
+              <a:t>자료를 표현할 수 있는 형식을 찾아본다</a:t>
             </a:r>
             <a:endParaRPr lang="en-US" altLang="ko-KR" dirty="0">
               <a:ea typeface="굴림" panose="020B0600000101010101" pitchFamily="50" charset="-127"/>
@@ -8375,7 +8846,7 @@
           <a:p>
             <a:pPr eaLnBrk="1" hangingPunct="1"/>
             <a:r>
-              <a:rPr lang="en-US" altLang="ko-KR" dirty="0" smtClean="0">
+              <a:rPr lang="en-US" altLang="ko-KR" dirty="0">
                 <a:ea typeface="굴림" panose="020B0600000101010101" pitchFamily="50" charset="-127"/>
               </a:rPr>
               <a:t>JSON </a:t>
@@ -8399,13 +8870,13 @@
           <a:p>
             <a:pPr eaLnBrk="1" hangingPunct="1"/>
             <a:r>
-              <a:rPr lang="en-US" altLang="ko-KR" dirty="0" err="1" smtClean="0">
+              <a:rPr lang="en-US" altLang="ko-KR" dirty="0" err="1">
                 <a:ea typeface="굴림" panose="020B0600000101010101" pitchFamily="50" charset="-127"/>
               </a:rPr>
               <a:t>OpenAPI</a:t>
             </a:r>
             <a:r>
-              <a:rPr lang="en-US" altLang="ko-KR" dirty="0" smtClean="0">
+              <a:rPr lang="en-US" altLang="ko-KR" dirty="0">
                 <a:ea typeface="굴림" panose="020B0600000101010101" pitchFamily="50" charset="-127"/>
               </a:rPr>
               <a:t> </a:t>
@@ -8648,16 +9119,6 @@
                 <a:ea typeface="굴림" panose="020B0600000101010101" pitchFamily="50" charset="-127"/>
               </a:rPr>
             </a:br>
-            <a:r>
-              <a:rPr lang="en-US" altLang="ko-KR" sz="1400" dirty="0">
-                <a:solidFill>
-                  <a:schemeClr val="accent2"/>
-                </a:solidFill>
-                <a:latin typeface="Trebuchet MS" panose="020B0603020202020204" pitchFamily="34" charset="0"/>
-                <a:ea typeface="굴림" panose="020B0600000101010101" pitchFamily="50" charset="-127"/>
-              </a:rPr>
-              <a:t/>
-            </a:r>
             <a:br>
               <a:rPr lang="en-US" altLang="ko-KR" sz="1400" dirty="0">
                 <a:solidFill>
@@ -9318,19 +9779,28 @@
           <a:lstStyle/>
           <a:p>
             <a:r>
-              <a:rPr lang="en-US" altLang="ko-KR">
+              <a:rPr lang="en-US" altLang="ko-KR" dirty="0">
                 <a:ea typeface="굴림" panose="020B0600000101010101" pitchFamily="50" charset="-127"/>
               </a:rPr>
               <a:t>JSON </a:t>
             </a:r>
             <a:r>
-              <a:rPr lang="ko-KR" altLang="en-US">
-                <a:ea typeface="굴림" panose="020B0600000101010101" pitchFamily="50" charset="-127"/>
-              </a:rPr>
-              <a:t>은 문서 형식이 아님</a:t>
-            </a:r>
-            <a:r>
-              <a:rPr lang="en-US" altLang="ko-KR">
+              <a:rPr lang="ko-KR" altLang="en-US" dirty="0">
+                <a:ea typeface="굴림" panose="020B0600000101010101" pitchFamily="50" charset="-127"/>
+              </a:rPr>
+              <a:t>은 문서 형식이 </a:t>
+            </a:r>
+            <a:r>
+              <a:rPr lang="ko-KR" altLang="en-US" dirty="0">
+                <a:solidFill>
+                  <a:srgbClr val="FF0000"/>
+                </a:solidFill>
+                <a:ea typeface="굴림" panose="020B0600000101010101" pitchFamily="50" charset="-127"/>
+              </a:rPr>
+              <a:t>아님</a:t>
+            </a:r>
+            <a:r>
+              <a:rPr lang="en-US" altLang="ko-KR" dirty="0">
                 <a:ea typeface="굴림" panose="020B0600000101010101" pitchFamily="50" charset="-127"/>
               </a:rPr>
               <a:t> </a:t>
@@ -9338,39 +9808,66 @@
           </a:p>
           <a:p>
             <a:r>
-              <a:rPr lang="en-US" altLang="ko-KR">
+              <a:rPr lang="en-US" altLang="ko-KR" dirty="0">
                 <a:ea typeface="굴림" panose="020B0600000101010101" pitchFamily="50" charset="-127"/>
               </a:rPr>
               <a:t>JSON </a:t>
             </a:r>
             <a:r>
-              <a:rPr lang="ko-KR" altLang="en-US">
-                <a:ea typeface="굴림" panose="020B0600000101010101" pitchFamily="50" charset="-127"/>
-              </a:rPr>
-              <a:t>은 마크업 언어가 아님 </a:t>
-            </a:r>
-            <a:r>
-              <a:rPr lang="en-US" altLang="ko-KR">
+              <a:rPr lang="ko-KR" altLang="en-US" dirty="0">
+                <a:ea typeface="굴림" panose="020B0600000101010101" pitchFamily="50" charset="-127"/>
+              </a:rPr>
+              <a:t>은 마크업 언어가 </a:t>
+            </a:r>
+            <a:r>
+              <a:rPr lang="ko-KR" altLang="en-US" dirty="0">
+                <a:solidFill>
+                  <a:srgbClr val="FF0000"/>
+                </a:solidFill>
+                <a:ea typeface="굴림" panose="020B0600000101010101" pitchFamily="50" charset="-127"/>
+              </a:rPr>
+              <a:t>아님</a:t>
+            </a:r>
+            <a:r>
+              <a:rPr lang="ko-KR" altLang="en-US" dirty="0">
                 <a:ea typeface="굴림" panose="020B0600000101010101" pitchFamily="50" charset="-127"/>
               </a:rPr>
               <a:t> </a:t>
             </a:r>
-          </a:p>
-          <a:p>
-            <a:r>
-              <a:rPr lang="en-US" altLang="ko-KR">
+            <a:r>
+              <a:rPr lang="en-US" altLang="ko-KR" dirty="0">
+                <a:ea typeface="굴림" panose="020B0600000101010101" pitchFamily="50" charset="-127"/>
+              </a:rPr>
+              <a:t> </a:t>
+            </a:r>
+          </a:p>
+          <a:p>
+            <a:r>
+              <a:rPr lang="en-US" altLang="ko-KR" dirty="0">
                 <a:ea typeface="굴림" panose="020B0600000101010101" pitchFamily="50" charset="-127"/>
               </a:rPr>
               <a:t>JSON </a:t>
             </a:r>
             <a:r>
-              <a:rPr lang="ko-KR" altLang="en-US">
-                <a:ea typeface="굴림" panose="020B0600000101010101" pitchFamily="50" charset="-127"/>
-              </a:rPr>
-              <a:t>은 범용 자료전송 형식이 아님</a:t>
-            </a:r>
-            <a:r>
-              <a:rPr lang="en-US" altLang="ko-KR">
+              <a:rPr lang="ko-KR" altLang="en-US" dirty="0">
+                <a:ea typeface="굴림" panose="020B0600000101010101" pitchFamily="50" charset="-127"/>
+              </a:rPr>
+              <a:t>은 범용 자료전송 형식이 </a:t>
+            </a:r>
+            <a:r>
+              <a:rPr lang="ko-KR" altLang="en-US" dirty="0">
+                <a:solidFill>
+                  <a:srgbClr val="FF0000"/>
+                </a:solidFill>
+                <a:ea typeface="굴림" panose="020B0600000101010101" pitchFamily="50" charset="-127"/>
+              </a:rPr>
+              <a:t>아님</a:t>
+            </a:r>
+            <a:r>
+              <a:rPr lang="en-US" altLang="ko-KR" dirty="0">
+                <a:solidFill>
+                  <a:srgbClr val="FF0000"/>
+                </a:solidFill>
                 <a:ea typeface="굴림" panose="020B0600000101010101" pitchFamily="50" charset="-127"/>
               </a:rPr>
               <a:t> </a:t>
@@ -9379,13 +9876,13 @@
           <a:p>
             <a:pPr lvl="1"/>
             <a:r>
-              <a:rPr lang="ko-KR" altLang="en-US">
+              <a:rPr lang="ko-KR" altLang="en-US" dirty="0">
                 <a:ea typeface="굴림" panose="020B0600000101010101" pitchFamily="50" charset="-127"/>
               </a:rPr>
               <a:t>사이클 또는 재귀 구조가 아님 </a:t>
             </a:r>
             <a:r>
-              <a:rPr lang="en-US" altLang="ko-KR">
+              <a:rPr lang="en-US" altLang="ko-KR" dirty="0">
                 <a:ea typeface="굴림" panose="020B0600000101010101" pitchFamily="50" charset="-127"/>
               </a:rPr>
               <a:t> </a:t>
@@ -9394,13 +9891,13 @@
           <a:p>
             <a:pPr lvl="1"/>
             <a:r>
-              <a:rPr lang="ko-KR" altLang="en-US">
+              <a:rPr lang="ko-KR" altLang="en-US" dirty="0">
                 <a:ea typeface="굴림" panose="020B0600000101010101" pitchFamily="50" charset="-127"/>
               </a:rPr>
               <a:t>구조에 대한 표현이 없음 </a:t>
             </a:r>
             <a:r>
-              <a:rPr lang="en-US" altLang="ko-KR">
+              <a:rPr lang="en-US" altLang="ko-KR" dirty="0">
                 <a:ea typeface="굴림" panose="020B0600000101010101" pitchFamily="50" charset="-127"/>
               </a:rPr>
               <a:t> </a:t>
@@ -9409,12 +9906,12 @@
           <a:p>
             <a:pPr lvl="1"/>
             <a:r>
-              <a:rPr lang="ko-KR" altLang="en-US">
+              <a:rPr lang="ko-KR" altLang="en-US" dirty="0">
                 <a:ea typeface="굴림" panose="020B0600000101010101" pitchFamily="50" charset="-127"/>
               </a:rPr>
               <a:t>함수가 아님 </a:t>
             </a:r>
-            <a:endParaRPr lang="en-US" altLang="ko-KR">
+            <a:endParaRPr lang="en-US" altLang="ko-KR" dirty="0">
               <a:ea typeface="굴림" panose="020B0600000101010101" pitchFamily="50" charset="-127"/>
             </a:endParaRPr>
           </a:p>

--- a/6wk-JSON-2020.pptx
+++ b/6wk-JSON-2020.pptx
@@ -1560,6 +1560,196 @@
 </file>
 
 <file path=ppt/notesSlides/notesSlide5.xml><?xml version="1.0" encoding="utf-8"?>
+<p:notes xmlns:a="http://schemas.openxmlformats.org/drawingml/2006/main" xmlns:r="http://schemas.openxmlformats.org/officeDocument/2006/relationships" xmlns:p="http://schemas.openxmlformats.org/presentationml/2006/main">
+  <p:cSld>
+    <p:spTree>
+      <p:nvGrpSpPr>
+        <p:cNvPr id="1" name=""/>
+        <p:cNvGrpSpPr/>
+        <p:nvPr/>
+      </p:nvGrpSpPr>
+      <p:grpSpPr>
+        <a:xfrm>
+          <a:off x="0" y="0"/>
+          <a:ext cx="0" cy="0"/>
+          <a:chOff x="0" y="0"/>
+          <a:chExt cx="0" cy="0"/>
+        </a:xfrm>
+      </p:grpSpPr>
+      <p:sp>
+        <p:nvSpPr>
+          <p:cNvPr id="2" name="슬라이드 이미지 개체 틀 1"/>
+          <p:cNvSpPr>
+            <a:spLocks noGrp="1" noRot="1" noChangeAspect="1"/>
+          </p:cNvSpPr>
+          <p:nvPr>
+            <p:ph type="sldImg"/>
+          </p:nvPr>
+        </p:nvSpPr>
+        <p:spPr/>
+      </p:sp>
+      <p:sp>
+        <p:nvSpPr>
+          <p:cNvPr id="3" name="슬라이드 노트 개체 틀 2"/>
+          <p:cNvSpPr>
+            <a:spLocks noGrp="1"/>
+          </p:cNvSpPr>
+          <p:nvPr>
+            <p:ph type="body" idx="1"/>
+          </p:nvPr>
+        </p:nvSpPr>
+        <p:spPr/>
+        <p:txBody>
+          <a:bodyPr/>
+          <a:lstStyle/>
+          <a:p>
+            <a:r>
+              <a:rPr lang="en-US" altLang="ko-KR" dirty="0"/>
+              <a:t>JSON</a:t>
+            </a:r>
+            <a:r>
+              <a:rPr lang="ko-KR" altLang="en-US" dirty="0"/>
+              <a:t> 문자열을 파이썬 객체로 변환</a:t>
+            </a:r>
+          </a:p>
+        </p:txBody>
+      </p:sp>
+      <p:sp>
+        <p:nvSpPr>
+          <p:cNvPr id="4" name="슬라이드 번호 개체 틀 3"/>
+          <p:cNvSpPr>
+            <a:spLocks noGrp="1"/>
+          </p:cNvSpPr>
+          <p:nvPr>
+            <p:ph type="sldNum" sz="quarter" idx="5"/>
+          </p:nvPr>
+        </p:nvSpPr>
+        <p:spPr/>
+        <p:txBody>
+          <a:bodyPr/>
+          <a:lstStyle/>
+          <a:p>
+            <a:pPr>
+              <a:defRPr/>
+            </a:pPr>
+            <a:fld id="{3E2263B7-46F1-4FF4-9A5D-4FF0A3275C8E}" type="slidenum">
+              <a:rPr lang="en-US" altLang="ko-KR" smtClean="0"/>
+              <a:pPr>
+                <a:defRPr/>
+              </a:pPr>
+              <a:t>12</a:t>
+            </a:fld>
+            <a:endParaRPr lang="en-US" altLang="ko-KR"/>
+          </a:p>
+        </p:txBody>
+      </p:sp>
+    </p:spTree>
+    <p:extLst>
+      <p:ext uri="{BB962C8B-B14F-4D97-AF65-F5344CB8AC3E}">
+        <p14:creationId xmlns:p14="http://schemas.microsoft.com/office/powerpoint/2010/main" val="903375540"/>
+      </p:ext>
+    </p:extLst>
+  </p:cSld>
+  <p:clrMapOvr>
+    <a:masterClrMapping/>
+  </p:clrMapOvr>
+</p:notes>
+</file>
+
+<file path=ppt/notesSlides/notesSlide6.xml><?xml version="1.0" encoding="utf-8"?>
+<p:notes xmlns:a="http://schemas.openxmlformats.org/drawingml/2006/main" xmlns:r="http://schemas.openxmlformats.org/officeDocument/2006/relationships" xmlns:p="http://schemas.openxmlformats.org/presentationml/2006/main">
+  <p:cSld>
+    <p:spTree>
+      <p:nvGrpSpPr>
+        <p:cNvPr id="1" name=""/>
+        <p:cNvGrpSpPr/>
+        <p:nvPr/>
+      </p:nvGrpSpPr>
+      <p:grpSpPr>
+        <a:xfrm>
+          <a:off x="0" y="0"/>
+          <a:ext cx="0" cy="0"/>
+          <a:chOff x="0" y="0"/>
+          <a:chExt cx="0" cy="0"/>
+        </a:xfrm>
+      </p:grpSpPr>
+      <p:sp>
+        <p:nvSpPr>
+          <p:cNvPr id="2" name="슬라이드 이미지 개체 틀 1"/>
+          <p:cNvSpPr>
+            <a:spLocks noGrp="1" noRot="1" noChangeAspect="1"/>
+          </p:cNvSpPr>
+          <p:nvPr>
+            <p:ph type="sldImg"/>
+          </p:nvPr>
+        </p:nvSpPr>
+        <p:spPr/>
+      </p:sp>
+      <p:sp>
+        <p:nvSpPr>
+          <p:cNvPr id="3" name="슬라이드 노트 개체 틀 2"/>
+          <p:cNvSpPr>
+            <a:spLocks noGrp="1"/>
+          </p:cNvSpPr>
+          <p:nvPr>
+            <p:ph type="body" idx="1"/>
+          </p:nvPr>
+        </p:nvSpPr>
+        <p:spPr/>
+        <p:txBody>
+          <a:bodyPr/>
+          <a:lstStyle/>
+          <a:p>
+            <a:r>
+              <a:rPr lang="ko-KR" altLang="en-US" dirty="0"/>
+              <a:t>텍스파일 또는 문장열을 파이썬 객체로 내보냄 </a:t>
+            </a:r>
+          </a:p>
+        </p:txBody>
+      </p:sp>
+      <p:sp>
+        <p:nvSpPr>
+          <p:cNvPr id="4" name="슬라이드 번호 개체 틀 3"/>
+          <p:cNvSpPr>
+            <a:spLocks noGrp="1"/>
+          </p:cNvSpPr>
+          <p:nvPr>
+            <p:ph type="sldNum" sz="quarter" idx="5"/>
+          </p:nvPr>
+        </p:nvSpPr>
+        <p:spPr/>
+        <p:txBody>
+          <a:bodyPr/>
+          <a:lstStyle/>
+          <a:p>
+            <a:pPr>
+              <a:defRPr/>
+            </a:pPr>
+            <a:fld id="{3E2263B7-46F1-4FF4-9A5D-4FF0A3275C8E}" type="slidenum">
+              <a:rPr lang="en-US" altLang="ko-KR" smtClean="0"/>
+              <a:pPr>
+                <a:defRPr/>
+              </a:pPr>
+              <a:t>13</a:t>
+            </a:fld>
+            <a:endParaRPr lang="en-US" altLang="ko-KR"/>
+          </a:p>
+        </p:txBody>
+      </p:sp>
+    </p:spTree>
+    <p:extLst>
+      <p:ext uri="{BB962C8B-B14F-4D97-AF65-F5344CB8AC3E}">
+        <p14:creationId xmlns:p14="http://schemas.microsoft.com/office/powerpoint/2010/main" val="1990873847"/>
+      </p:ext>
+    </p:extLst>
+  </p:cSld>
+  <p:clrMapOvr>
+    <a:masterClrMapping/>
+  </p:clrMapOvr>
+</p:notes>
+</file>
+
+<file path=ppt/notesSlides/notesSlide7.xml><?xml version="1.0" encoding="utf-8"?>
 <p:notes xmlns:a="http://schemas.openxmlformats.org/drawingml/2006/main" xmlns:r="http://schemas.openxmlformats.org/officeDocument/2006/relationships" xmlns:p="http://schemas.openxmlformats.org/presentationml/2006/main">
   <p:cSld>
     <p:spTree>
@@ -7775,7 +7965,7 @@
           <p:nvPr/>
         </p:nvPicPr>
         <p:blipFill>
-          <a:blip r:embed="rId2"/>
+          <a:blip r:embed="rId3"/>
           <a:stretch>
             <a:fillRect/>
           </a:stretch>
@@ -7839,7 +8029,7 @@
         </p:nvSpPr>
         <p:spPr>
           <a:xfrm>
-            <a:off x="2667000" y="3752056"/>
+            <a:off x="4497729" y="3482252"/>
             <a:ext cx="2682145" cy="461665"/>
           </a:xfrm>
           <a:prstGeom prst="rect">
@@ -7894,8 +8084,8 @@
         </p:nvSpPr>
         <p:spPr bwMode="auto">
           <a:xfrm>
-            <a:off x="685800" y="3605212"/>
-            <a:ext cx="5400675" cy="1700213"/>
+            <a:off x="685801" y="3605212"/>
+            <a:ext cx="3811928" cy="1700213"/>
           </a:xfrm>
           <a:prstGeom prst="rect">
             <a:avLst/>
@@ -7905,7 +8095,7 @@
             <a:solidFill>
               <a:schemeClr val="tx1"/>
             </a:solidFill>
-            <a:prstDash val="solid"/>
+            <a:prstDash val="dash"/>
             <a:round/>
             <a:headEnd type="none" w="med" len="med"/>
             <a:tailEnd type="none" w="med" len="med"/>
@@ -7945,6 +8135,58 @@
               </a:solidFill>
               <a:effectLst/>
               <a:latin typeface="Times" pitchFamily="16" charset="0"/>
+            </a:endParaRPr>
+          </a:p>
+        </p:txBody>
+      </p:sp>
+      <p:sp>
+        <p:nvSpPr>
+          <p:cNvPr id="4" name="TextBox 3">
+            <a:extLst>
+              <a:ext uri="{FF2B5EF4-FFF2-40B4-BE49-F238E27FC236}">
+                <a16:creationId xmlns:a16="http://schemas.microsoft.com/office/drawing/2014/main" id="{D136F827-C851-4505-90F3-D10C7DF5E0E2}"/>
+              </a:ext>
+            </a:extLst>
+          </p:cNvPr>
+          <p:cNvSpPr txBox="1"/>
+          <p:nvPr/>
+        </p:nvSpPr>
+        <p:spPr>
+          <a:xfrm>
+            <a:off x="4497729" y="3995447"/>
+            <a:ext cx="3411511" cy="461665"/>
+          </a:xfrm>
+          <a:prstGeom prst="rect">
+            <a:avLst/>
+          </a:prstGeom>
+          <a:noFill/>
+        </p:spPr>
+        <p:txBody>
+          <a:bodyPr wrap="none" rtlCol="0">
+            <a:spAutoFit/>
+          </a:bodyPr>
+          <a:lstStyle/>
+          <a:p>
+            <a:r>
+              <a:rPr lang="ko-KR" altLang="en-US" dirty="0">
+                <a:solidFill>
+                  <a:schemeClr val="accent2"/>
+                </a:solidFill>
+              </a:rPr>
+              <a:t>역직렬화</a:t>
+            </a:r>
+            <a:r>
+              <a:rPr lang="en-US" altLang="ko-KR" dirty="0">
+                <a:solidFill>
+                  <a:schemeClr val="accent2"/>
+                </a:solidFill>
+              </a:rPr>
+              <a:t>(deserialization)</a:t>
+            </a:r>
+            <a:endParaRPr lang="ko-KR" altLang="en-US" dirty="0">
+              <a:solidFill>
+                <a:schemeClr val="accent2"/>
+              </a:solidFill>
             </a:endParaRPr>
           </a:p>
         </p:txBody>
@@ -8107,7 +8349,7 @@
           <p:nvPr/>
         </p:nvPicPr>
         <p:blipFill>
-          <a:blip r:embed="rId2"/>
+          <a:blip r:embed="rId3"/>
           <a:stretch>
             <a:fillRect/>
           </a:stretch>
@@ -8122,6 +8364,58 @@
           </a:prstGeom>
         </p:spPr>
       </p:pic>
+      <p:sp>
+        <p:nvSpPr>
+          <p:cNvPr id="4" name="TextBox 3">
+            <a:extLst>
+              <a:ext uri="{FF2B5EF4-FFF2-40B4-BE49-F238E27FC236}">
+                <a16:creationId xmlns:a16="http://schemas.microsoft.com/office/drawing/2014/main" id="{B0E6C890-D7A4-4BB0-9256-350C0AD43E47}"/>
+              </a:ext>
+            </a:extLst>
+          </p:cNvPr>
+          <p:cNvSpPr txBox="1"/>
+          <p:nvPr/>
+        </p:nvSpPr>
+        <p:spPr>
+          <a:xfrm>
+            <a:off x="3326971" y="4648200"/>
+            <a:ext cx="2813591" cy="461665"/>
+          </a:xfrm>
+          <a:prstGeom prst="rect">
+            <a:avLst/>
+          </a:prstGeom>
+          <a:noFill/>
+        </p:spPr>
+        <p:txBody>
+          <a:bodyPr wrap="none" rtlCol="0">
+            <a:spAutoFit/>
+          </a:bodyPr>
+          <a:lstStyle/>
+          <a:p>
+            <a:r>
+              <a:rPr lang="ko-KR" altLang="en-US" dirty="0">
+                <a:solidFill>
+                  <a:schemeClr val="accent2"/>
+                </a:solidFill>
+              </a:rPr>
+              <a:t>직렬화</a:t>
+            </a:r>
+            <a:r>
+              <a:rPr lang="en-US" altLang="ko-KR" dirty="0">
+                <a:solidFill>
+                  <a:schemeClr val="accent2"/>
+                </a:solidFill>
+              </a:rPr>
+              <a:t>(serialization)</a:t>
+            </a:r>
+            <a:endParaRPr lang="ko-KR" altLang="en-US" dirty="0">
+              <a:solidFill>
+                <a:schemeClr val="accent2"/>
+              </a:solidFill>
+            </a:endParaRPr>
+          </a:p>
+        </p:txBody>
+      </p:sp>
     </p:spTree>
     <p:extLst>
       <p:ext uri="{BB962C8B-B14F-4D97-AF65-F5344CB8AC3E}">

--- a/6wk-JSON-2020.pptx
+++ b/6wk-JSON-2020.pptx
@@ -5,23 +5,24 @@
     <p:sldMasterId id="2147483649" r:id="rId1"/>
   </p:sldMasterIdLst>
   <p:notesMasterIdLst>
-    <p:notesMasterId r:id="rId16"/>
+    <p:notesMasterId r:id="rId17"/>
   </p:notesMasterIdLst>
   <p:sldIdLst>
     <p:sldId id="256" r:id="rId2"/>
     <p:sldId id="434" r:id="rId3"/>
-    <p:sldId id="290" r:id="rId4"/>
-    <p:sldId id="266" r:id="rId5"/>
-    <p:sldId id="257" r:id="rId6"/>
-    <p:sldId id="431" r:id="rId7"/>
-    <p:sldId id="259" r:id="rId8"/>
-    <p:sldId id="273" r:id="rId9"/>
-    <p:sldId id="376" r:id="rId10"/>
-    <p:sldId id="443" r:id="rId11"/>
-    <p:sldId id="439" r:id="rId12"/>
-    <p:sldId id="444" r:id="rId13"/>
-    <p:sldId id="445" r:id="rId14"/>
-    <p:sldId id="261" r:id="rId15"/>
+    <p:sldId id="447" r:id="rId4"/>
+    <p:sldId id="290" r:id="rId5"/>
+    <p:sldId id="266" r:id="rId6"/>
+    <p:sldId id="257" r:id="rId7"/>
+    <p:sldId id="431" r:id="rId8"/>
+    <p:sldId id="259" r:id="rId9"/>
+    <p:sldId id="273" r:id="rId10"/>
+    <p:sldId id="376" r:id="rId11"/>
+    <p:sldId id="443" r:id="rId12"/>
+    <p:sldId id="439" r:id="rId13"/>
+    <p:sldId id="444" r:id="rId14"/>
+    <p:sldId id="445" r:id="rId15"/>
+    <p:sldId id="261" r:id="rId16"/>
   </p:sldIdLst>
   <p:sldSz cx="9144000" cy="6858000" type="screen4x3"/>
   <p:notesSz cx="6858000" cy="9144000"/>
@@ -167,6 +168,148 @@
     </p:ext>
   </p:extLst>
 </p:presentation>
+</file>
+
+<file path=ppt/ink/ink1.xml><?xml version="1.0" encoding="utf-8"?>
+<inkml:ink xmlns:inkml="http://www.w3.org/2003/InkML">
+  <inkml:definitions>
+    <inkml:context xml:id="ctx0">
+      <inkml:inkSource xml:id="inkSrc0">
+        <inkml:traceFormat>
+          <inkml:channel name="X" type="integer" max="30931" units="cm"/>
+          <inkml:channel name="Y" type="integer" max="17399" units="cm"/>
+          <inkml:channel name="F" type="integer" max="4095" units="dev"/>
+          <inkml:channel name="T" type="integer" max="2.14748E9" units="dev"/>
+        </inkml:traceFormat>
+        <inkml:channelProperties>
+          <inkml:channelProperty channel="X" name="resolution" value="1000.03235" units="1/cm"/>
+          <inkml:channelProperty channel="Y" name="resolution" value="999.9425" units="1/cm"/>
+          <inkml:channelProperty channel="F" name="resolution" value="0" units="1/dev"/>
+          <inkml:channelProperty channel="T" name="resolution" value="1" units="1/dev"/>
+        </inkml:channelProperties>
+      </inkml:inkSource>
+      <inkml:timestamp xml:id="ts0" timeString="2020-10-06T04:07:18.251"/>
+    </inkml:context>
+    <inkml:brush xml:id="br0">
+      <inkml:brushProperty name="width" value="0.05292" units="cm"/>
+      <inkml:brushProperty name="height" value="0.05292" units="cm"/>
+      <inkml:brushProperty name="color" value="#FF0000"/>
+    </inkml:brush>
+  </inkml:definitions>
+  <inkml:trace contextRef="#ctx0" brushRef="#br0">5564 5531 747 0,'-11'-8'317'16,"-5"3"-214"-16,0 3-72 16,-1 8 10-16,-1 6-11 15,-3 12-12-15,-2 5-2 16,-1 16-7-16,-2 5 2 0,-1 10-2 16,-4 5 1-16,6 12 0 15,1 3 1-15,6-2-4 16,4-4-3-16,8-10-2 15,9-6-1-15,7-15-1 16,7-8 0-16,5-21 0 16,5-11 0-16,4-15 7 15,1-10 5-15,-4-15 8 16,-3-6 1-16,-1-10 5 16,-4-2 0-16,-6-6-1 15,-7-1 0-15,-6 1-7 16,-1 3-2-16,-8 6-9 15,-1 7-2-15,-6 11-7 16,-2 6-8-16,-6 18-13 16,1 9-7-16,3 15-18 15,-1 10-8-15,3 8 36 0,3 3-34 16,14 2-9-16</inkml:trace>
+  <inkml:trace contextRef="#ctx0" brushRef="#br0" timeOffset="411.22">5978 5402 894 0,'-3'-2'350'0,"-1"7"-254"15,-2 5-68-15,3 13 4 16,2 10-6-16,1 18-10 16,1 8 1-16,3 18 1 15,2 9 3-15,4 18-3 16,3 4-5-16,-1 6-1 0,3 2-2 15,-2-7-2-15,0-5-1 16,-2-14-4-16,-1-7-2 16,-6-25-3-16,-1-8 0 15,-3-17-9-15,-2-10-10 0,-3-20-19 16,-5-5-12 0,-4-18-26-16,-4-7 51 0,-2-14-44 15,3-4-23-15</inkml:trace>
+  <inkml:trace contextRef="#ctx0" brushRef="#br0" timeOffset="653.1">5992 5680 627 0,'25'-42'300'0,"9"11"-173"15,4 5-79-15,6 15 26 16,0 5-18-16,2 15-16 15,-3 9-4-15,-6 13-13 16,-5 8-3-16,-10 8-4 16,-10 3-1-16,-12 3-1 0,-9 0-5 15,-9-6-4-15,-3-5-6 16,-5-10-30-16,-3-9 0 16,0-15 22-16,1-6-24 15,3-12-16-15</inkml:trace>
+  <inkml:trace contextRef="#ctx0" brushRef="#br0" timeOffset="1099.89">6684 5690 711 0,'13'2'298'0,"-5"-4"-191"16,-2-3-65-16,1-5 1 15,0-2-1-15,-7-6-7 16,0 0-6-16,3-6-12 16,-2-1-3-16,-1-1-11 15,-1 1-2-15,-6 0 2 16,-3 0-3-16,-3 5 2 0,-2 4 2 15,-5 9-1-15,-1 5 1 16,1 8-1-16,-1 10 2 16,5 13 1-16,2 11 4 15,8 10 9-15,1 5 3 16,5 1 2-16,2-3 1 0,7-4 4 16,2-3-1-16,3-12-3 15,6-6-1 1,3-16-12-16,0-7-6 0,1-7-15 15,1-6-11-15,3-6-23 16,-6-7-14-16,-2-7 41 16,-3-6-38-16,0-5-16 15</inkml:trace>
+  <inkml:trace contextRef="#ctx0" brushRef="#br0" timeOffset="1711.81">7008 5547 994 0,'8'4'368'0,"-3"-2"-285"0,-1-1-67 16,-1 0-7-16,-3-1-7 16,0 0 0-16,0 0-1 15,0 0-1-15,0 0 0 16,7 11-1-16,15 29-2 15,-16-25 0-15,-2-1-1 16,0-2 0-16,-1-1 0 0,-2-5 4 16,4-3 2-16,2-7 12 15,-2-6 4-15,7-7 8 16,-3 0 3-16,4-5 4 16,0 0 0-16,0 2-1 15,1 3-6-15,-1 5-9 16,4 6-1-16,0 6-11 15,0 7-1-15,1 8-5 16,-1 5-1-16,1 3-2 16,-1 1 0-16,-5-1-1 15,-3 0-3-15,-2-5 3 16,-3-4-2-16,-3-9 8 16,1-6 2-16,-2-10 10 15,0-4 2-15,-2-4 8 0,1-4 0 16,1-3 1-16,-1 1 1 15,1 1-8-15,0 4 1 16,4 4-9-16,3 1-3 16,4 4-4-16,0 3-2 15,6 3 1-15,3 3 0 0,1 2-1 16,0 0 0-16,1 5-2 16,-4-1-2-16,-2 2-13 15,-2 2-2-15,-5 0-19 16,-4 1-11-16,-5 0-30 15,-2 0 147-15,-6-2-81 16,-2-4 8-16,2-3 34 16</inkml:trace>
+  <inkml:trace contextRef="#ctx0" brushRef="#br0" timeOffset="2602.71">7790 5439 583 0,'-3'-11'285'0,"1"-2"-155"16,2-3-72-16,-3-1 44 15,3 1-39-15,0 1 2 16,0 0-7-16,0 7-8 0,3 7-11 16,4 3-6-16,0 13-11 15,4 6-7-15,1 6-7 16,1 1-4-16,1 3 0 15,2 0 1-15,-1-6-1 16,-1-4 0-16,-1-13 1 16,-1-8 1-16,1-11 4 15,-3-6-1-15,1-8 5 16,-1-2 1-16,-1 1 0 16,-1-1 0-16,0 9-4 15,0 3-2-15,5 13-3 16,0 4-1-16,2 9-5 15,8 5 0-15,-2-2-1 16,4 0-1-16,-1-3 6 16,-3-5 0-16,1-7 9 0,-2-8 3 15,-3-8 8-15,-5-5 5 16,2-5 8-16,-1 0 7 16,-5-3-3-16,2 3-2 15,-3 4-9-15,-1 2-4 16,-5 6-26-16,2 4-21 15,-3 4-34-15,-3 3-17 0,2 2-24 16,-2-1-14-16,3 2 62 16,-2 0-58-16,2 1-3 15</inkml:trace>
+  <inkml:trace contextRef="#ctx0" brushRef="#br0" timeOffset="3004.81">8551 5314 676 0,'29'7'339'15,"3"-5"-201"-15,-4-8-94 16,3-4 72-16,0-9-91 16,-3-3 1-16,-7-5-2 15,-3-4-1-15,-4 1-3 0,-4-4-5 16,-9 3-9-16,-2 0-5 15,-9 7-5-15,-6 2 3 16,-5 6 1-16,-1 5 2 16,0 7 2-16,-2 4 2 15,1 9 6-15,2 5-1 16,2 10 5-16,5 5-2 0,4 8 0 16,3 0-2-16,4 1 4 15,6 0-2-15,4-3-2 16,4-1 1-16,9-8-4 15,1-6-4-15,4-8-1 16,2-4-4-16,-3-5-12 16,-1-3-8-16,-2-5-23 15,-1-4-12-15,-9-2 39 16,-1-2-34 0,-4-4-16-16</inkml:trace>
+  <inkml:trace contextRef="#ctx0" brushRef="#br0" timeOffset="3510.68">9048 5045 781 0,'14'-7'308'15,"-6"-1"-207"-15,-2 1-59 16,4 4 8-16,-5 1-1 0,-6 2 5 15,-3 1-6-15,4-1-4 16,-2 0-8-16,1 0-9 16,1 1-5-16,-3 10-11 15,-32 27-4-15,31-26-3 16,0-1-2-16,1-2 0 16,1-2 0-16,2-1 0 15,3 0-1-15,0-5 0 16,1 0 3-16,2-2-2 15,-6 0 3-15,0 0 0 16,0 0 2-16,0-1 4 16,0 1 1-16,0 0-2 15,6-3 0-15,2-1 0 16,26-3 0-16,-26 14-2 16,2 0-1-16,1 0-6 0,-3 1-1 15,1-3 4-15,-1-2-4 16,-2-3-3-16,1-1-3 15,4 0 0-15,0 0-3 16,3 0 2-16,0-1-2 16,0 2-11-16,2 1-9 15,-2 0-21-15,-3 0-16 16,-7-3 49-16,-4-1-39 0,-15-5-21 16</inkml:trace>
+  <inkml:trace contextRef="#ctx0" brushRef="#br0" timeOffset="3867.15">9311 4318 917 0,'2'-5'374'0,"-1"0"-251"16,-1 3-78-16,0 2 9 0,0 0-13 15,0 0-7-15,0 20-3 16,8 43-7-16,-2-19-6 16,3 13-7-16,2 7-3 15,1 8-1-15,1-1-2 16,1-3-2-16,-1-8 3 0,1-8-9 15,-3-7-10-15,-4-14-23 16,0-8-9-16,-4-11-28 16,-3-4 111-1,-6-10-52-15,-2-4-9 0,-4-8 24 16</inkml:trace>
+  <inkml:trace contextRef="#ctx0" brushRef="#br0" timeOffset="4062.72">9248 4759 802 0,'-1'-4'360'16,"2"0"-229"-16,9-2-91 15,7 0 34-15,4-3-43 16,7-3-7-16,6-3-13 16,2-2 2-16,1-3-12 15,4 2-8-15,-7-2-27 0,0 0-13 16,-10-2 36-16,-1 1-31 15,-7-5-17-15</inkml:trace>
+  <inkml:trace contextRef="#ctx0" brushRef="#br0" timeOffset="4462.93">9499 4188 664 0,'20'44'333'0,"2"14"-183"16,5 3-91-16,4 8 35 15,0 3-25-15,-1 0-15 16,-4-4-10-16,-8-11-23 16,-4-10-4-16,-3-13-7 15,-6-6-3-15,-3-16-7 16,-2-7 1-16,-2-11-1 15,-1-7-1-15,0-7 1 16,-3-1 0-16,2-3 2 16,0 2 2-16,4 2 4 0,-3 5-2 15,6 5 3-15,-1 6 2 16,4 6 1-16,3 6-1 16,2 4-2-16,-1 3 0 15,2 3-4-15,1-2-1 16,0-1-9-16,2-3-13 0,-5-7-31 15,3-5 220-15,-7-13-158 16,0-4 44-16,-6-5 50 16</inkml:trace>
+  <inkml:trace contextRef="#ctx0" brushRef="#br0" timeOffset="5218.74">9840 4720 880 0,'28'61'347'0,"-20"-50"-246"16,-2-6-69-16,1-1 9 15,-1-1-18-15,-1 1-4 16,-2-2 0-16,0-2-3 16,-3 0-4-16,0 0-6 0,0 0-3 15,0-1 0-15,0 0-1 16,0 0 3-16,7-1 2 15,4 0 2-15,25-9 6 16,-21 7 4-16,-4 0 6 16,3-2 3-16,2-2 0 15,-1-1 2-15,-3-5-3 0,-1-3-4 16,1-1-5-16,-6-2-5 16,-1-1-3-16,-2 1-1 15,-6 0 0-15,0 3-3 16,-2 0 0-16,-1 5 2 15,-4 3-3-15,0 3 0 16,1 5-2-16,-4 5-3 16,2 6 1-16,-1 10-1 15,4 3-1-15,1 8 0 16,4-1 1-16,4 3 0 16,8 0 2-16,3-5 0 15,4-4-2-15,5-8 0 16,0-4 3-16,3-11-7 15,0-2-2-15,-1-9-10 16,0-5-8-16,-2-5-3 0,-1-1-5 16,-2-4-2-16,-1-2-2 15,-2 3 5-15,-2 2 4 16,-2 3 10-16,-1 5 7 16,-3 4 9-16,1 4 6 15,2 9 7-15,0 3 2 16,-2 4 3-16,2 2 4 0,1 1 0 15,0-1-2-15,-1-2-2 16,0-1-5-16,-2-7 2 16,0-4-5-16,1-6 1 15,1-2-5-15,1-1-1 16,2-2 2-16,1 0-3 16,3 2 3-16,0 2-6 15,4 4 3-15,-6 2-11 16,2 2-6-16,-3 1-22 15,-3 0-11-15,-5 0-24 16,-6 0 46-16,-7-4-43 16,-5-2-22-16</inkml:trace>
+  <inkml:trace contextRef="#ctx0" brushRef="#br0" timeOffset="5876.24">10886 4541 914 0,'15'13'380'0,"-9"-7"-256"0,-3-2-79 0,-3-2 34 16,-5-2-38 0,4-1-9-16,1 0-2 0,-2-1-2 15,-9-3-4-15,-29-44-9 16,27 22-8-16,3-4-10 15,3-2 1-15,3 0-3 16,3 1 5-16,2 5 0 16,5 4 0-16,5 13 1 15,1 6 0-15,7 13 1 16,2 7 1-16,0 9-2 16,0 1-1-16,0 4 0 15,-4-1 0-15,-3-2 0 16,-3-3-2-16,-4-9 0 15,0-1-2-15,-7-9 1 16,6-2 0-16,-4-7 3 16,5-5 0-16,-2-8 1 0,3-3 7 15,-4-5 3-15,2-1 0 16,2 0 2-16,-2 1 2 16,4 7-4-16,-2 3 0 15,6 11-3-15,-1 4-2 0,4 8-3 16,-1 4-1-16,1 1 0 15,0 0-4-15,-6-1 2 16,2-3 0-16,-4-3-1 16,0-2-2-16,1-4 2 15,0 0-1-15,2-2-1 16,1 3 3-16,1 1-3 16,0 4 3-16,1 3 0 15,-2-1 2-15,0 1-1 16,-2 0 4-16,0 1-3 15,-3-5-1-15,-2 1-8 16,1-4-10-16,-7-3-21 16,0-3-12-16,-1 3-32 15,-1 0 34-15,1 0 18 16,-3-11-37-16,-12-37-2 16</inkml:trace>
+  <inkml:trace contextRef="#ctx0" brushRef="#br0" timeOffset="6322.51">11647 4145 979 0,'0'2'419'16,"0"2"-259"-16,-3-2-105 15,2-2 29-15,1 0-45 16,-3 6-3-16,-11 21-1 16,-25 32-7-16,29-23-21 15,3-1-7-15,4-1-5 16,3-4 0-16,10-11 1 16,1-8-2-16,3-15 0 15,3-8 5-15,-2-10 1 16,0-1 3-16,-3-3 1 15,2 0 4-15,-5 5-2 16,-1 2 2-16,0 10 1 0,-1 6-3 16,6 8-4-16,-1 5 2 15,1 9-1-15,1-1-3 16,-1 4-5-16,1 0-7 16,-3-4-16-16,-1-2-5 15,-3-5-17-15,-4-4-10 16,-3-8-21-16,0-3-11 0,0-4 53 15,0-4-41-15,-3-5-4 16</inkml:trace>
+  <inkml:trace contextRef="#ctx0" brushRef="#br0" timeOffset="6824.49">11936 3885 977 0,'31'23'411'0,"-3"12"-267"16,-2 6-88-16,1 21 26 15,4 13-20-15,-6 15-2 16,-1 2-3-16,0 3-16 16,-5 0-8-16,0-3-8 0,-4-3-7 15,-1-14-15-15,-7-12-4 16,0-15-14-16,-4-7-5 15,-3-12-6-15,0-5-6 16,-3-12-1-16,-5-5-7 16,-6-15 3-1,-2-7-3-15,-8-17 5 0,-2-5 3 16,-5-20 2-16,-2-11 2 0,1-20-2 16,4-7 5-16,6-2 10 15,4-1 5-15,15 4 5 16,6 5 5-16,15 16 11 15,3 14 9-15,14 28 13 16,3 13 1-16,3 19 1 16,3 10-1-16,-3 16 8 15,-5 9-3-15,-10 8-3 16,-7 2-4-16,-13 6-10 16,-7-1-1-16,-16-1-17 15,-10-2-12-15,-15-5-38 16,-14-1-13-16,-14-9-77 15,-7-1 100-15,-19-7-76 16,-13-2-49-16</inkml:trace>
+  <inkml:trace contextRef="#ctx0" brushRef="#br0" timeOffset="7559.53">5430 7188 584 0,'-37'24'318'0,"5"-10"-156"0,4-4-91 16,14-7 57-16,7-1-60 15,18-8 2-15,10-4-3 16,13-3-21-16,1-4-5 16,17-5-15-16,9-1-2 15,14-7-3-15,6-1-2 0,11-4-3 16,11 0-2 0,12-2-4-16,8 0 4 0,12-5-1 15,6 1-3-15,5-4-4 16,8 1 2-16,7-2-6 15,2-1-2-15,9-2 3 16,4-1 2-16,7 0 0 16,2-4 4-16,9-1 5 15,-2-3 0-15,4-5 3 16,2 2 0-16,-3-5-2 16,3 1-2-16,-5-3 1 15,0-4-5-15,4-3-3 16,-6-4-1-16,6 2-3 15,-3-3 1-15,-5-2 2 16,-1-1-4-16,-6 2-1 16,0 3 3-16,-4 10 0 0,1 4-3 15,-13 5 0-15,-2 3 2 16,-4 8-2-16,-7 3-3 16,-9 3-12-16,-7 2-14 15,-23 5-25-15,-9 0-16 0,-21 0 50 16,-15 0-46-16,-50-4-20 15</inkml:trace>
+  <inkml:trace contextRef="#ctx0" brushRef="#br0" timeOffset="21161.89">4441 5098 826 0,'-53'47'315'16,"54"-47"-219"-16,-1-1-40 16,0 0-4-16,-1 0-3 15,1 1-9-15,-2 0-6 16,1 0-22-16,1 0-4 0,0 16-6 15,6 33-2-15,4-24 0 16,1 2 0-16,7 0 3 16,0 3-3-16,-1-1 2 15,0 0-2-15,-4-3-4 16,-5-3-4-16,-5-5-16 16,1-2-10-16,-4-4-41 15,-3-2-19-15,-1-8 58 16</inkml:trace>
+  <inkml:trace contextRef="#ctx0" brushRef="#br0" timeOffset="21371.34">4565 5150 742 0,'4'4'321'16,"0"3"-128"-16,4 5-160 15,0 11-16-15,-3 6 5 16,-1 5 4-16,-1 1-2 16,1 1-12-16,-1-1-8 0,-2-5-28 15,1-3-33 1,-4-11 36-16</inkml:trace>
+  <inkml:trace contextRef="#ctx0" brushRef="#br0" timeOffset="22446.62">12295 2889 867 0,'0'0'344'16,"0"2"-161"-16,0-2-185 15,-2 0 2-15,1 0 12 16,1 0 3-16,-6 15 15 15,-13 33-3-15,12-25-8 16,-2 1-3-16,1 8-12 16,1 0 2-16,0 4-1 15,1 0 4-15,0-3-1 16,0-4-2-16,-4-6-2 16,3-1-2-16,-5-5-2 15,0-2 1-15,-2-2-11 0,0-2-11 16,0-4-28-16,3-4-18 15,-4-5-17-15,-1-5 45 16</inkml:trace>
+  <inkml:trace contextRef="#ctx0" brushRef="#br0" timeOffset="22717.33">12616 2835 872 0,'4'23'326'0,"-4"4"-235"16,0 5-66-16,-6-2-12 15,-3-1-4-15,-10-6-8 16,-3 2-20-16,-12-3-59 16,-1-9 53-16</inkml:trace>
+  <inkml:trace contextRef="#ctx0" brushRef="#br0" timeOffset="42285.01">13851 9620 761 0,'-43'35'281'0,"0"4"-208"16,0 3-34-16,1-7-6 15,-3-3 4-15,-4-5-12 16,-7-4-4-16,4 0 4 16,-13 0-11-16,-5 0-10 15,2 2-3-15,-12 2-25 16,1 1-8-16,-9-3-4 15,-6-1 2-15,-4-3 19 0,4-4 6 16,10-3 19-16,5-7 11 16,-2-7 21-16,-3-7 7 15,0-7-7-15,5-2-12 16,2-6-8-16,4 1-7 0,-7-10 3 16,-1-1 3-16,5-10-2 15,-1-4 2-15,6-11-10 16,6-7-1-16,-11-11-17 15,-1-5-4-15,2-1-8 16,-2-3 0-16,8-10-4 16,7-3 1-16,6-3 6 15,3-2 2-15,12-7 11 16,6 2 3-16,7 1 3 16,10 1-3-16,7 3 0 15,2 1-2-15,16 0-9 16,9 7 1-16,6 10-2 15,10 3 0-15,5 1 9 16,4-1-1-16,12 8 3 16,3 3 1-16,7 11-2 15,14 1 5-15,4 4 2 0,4 2-1 16,0 6 6-16,-2 6-2 16,11 2 0-16,9 0 5 15,14 1 1-15,-5 1-2 16,6 3 6-16,-1 1-5 15,4 2 5-15,0 1-1 0,-9 1-9 16,-3 3 3-16,-1-2-11 16,-2 0 1-16,-6 3 2 15,-3-3-4-15,5 13-1 16,0 6 0-16,-2 8-8 16,-3 4-3-16,-5 7-7 15,1 5-3-15,-4 11-10 16,-3 10-1-16,-20 6 6 15,-7 6 3-15,-13 3 17 16,-5-1 2-16,4 9 6 16,5 1 1-16,-2 4 1 15,-2 0 6-15,-5-7 0 16,-9-6 1-16,-5-7-3 16,-1 2-3-16,-12 1-3 15,-4 6 0-15,-7 12 0 16,-3 0-1-16,-9-1-2 0,1-1 0 15,-6-10-3-15,3-2 1 16,-3 4 4-16,1 6-2 16,-4 1 3-16,0 3 0 15,-1-6-2-15,-4-7 4 16,-6-2 5-16,-9 4 6 16,-6 14 5-16,-6 3 2 0,-1 5-4 15,3-3-1-15,2-6-2 16,-5-3-4-16,-1-6 0 15,-3-1-3-15,-5-11 1 16,0-5 0-16,0-8 5 16,6-6-1-16,6 0 0 15,5-4-2-15,3-4-5 16,0 0-4-16,-3-4-8 16,1-1-9-16,-1-2-39 15,-6-1-25-15,8-6 50 16</inkml:trace>
+  <inkml:trace contextRef="#ctx0" brushRef="#br0" timeOffset="43327.07">14029 7297 822 0,'3'-2'309'0,"1"-5"-218"15,1-4-55-15,5-4-2 16,-1 1-1-16,3-6-13 16,1-3-4-16,4-4-11 15,2-5-3-15,4-7-7 0,3-8-4 16,9-2-4-16,5-1 2 16,9 3 3-16,10 7 3 15,-2 0 5-15,-1 2-2 16,-2 3 0-16,-1-3 3 15,-1-4-3-15,4-2 6 0,8-5 3 16,8 0 0-16,8 3 7 16,-1 0-4-16,0 4 1 15,-3 2-1-15,13-2-2 16,0-1-3-16,-4-2-2 16,-3-5-3-16,-15 0-3 15,3 0 3-15,7 8-2 16,3 3-1-16,-4 9 2 15,-5 1-1-15,-9 7 0 16,-9 3 2-16,-4 2 0 16,-1 3 0-16,-2 3 2 15,3 3-1-15,-4 3-1 16,-24 2 3 0,3 0-3-16,8 1 3 0,-5 2-1 15,-12 1-2-15,-6 5 0 16,-7-1-6-16,-2 1-2 0,-4-1-9 15,-1 2-29-15,-3-3-22 16,-7-3 41 0</inkml:trace>
+  <inkml:trace contextRef="#ctx0" brushRef="#br0" timeOffset="43634.62">16317 5641 1065 0,'21'22'372'0,"11"10"-322"16,6 5-37-16,-2 3 7 15,1 0 3-15,2-5 5 16,-7-2 1-16,-1-7-7 15,-4-1-2-15,-13-1-23 16,-10 6-11-16,-17 11-19 16,-12 10-11-16,-18 17-3 15,-8 3-2-15,-9-1 1 0,0-5-8 16,-6-13-49-16,3-6 66 16</inkml:trace>
+  <inkml:trace contextRef="#ctx0" brushRef="#br0" timeOffset="44622.65">18070 5309 682 0,'2'-3'269'0,"-2"-6"-158"16,0-3-63-16,-2-5-3 16,1-5 5-16,2 0-1 0,1 3-5 15,1 4-13-15,-1 1 2 16,-2 0-5-16,-2 1-5 16,-4 0-5-16,-1 0 0 15,-5 0-2-15,-6 1 0 16,-8 2 2-16,-2 3-4 15,-12 7-5-15,-3 4-1 0,-11 10-5 16,-4 3-3-16,-5 9 1 16,-4 5 1-16,9 11-1 15,4 9 4-15,9 12 2 16,10 0 6-16,12-2-3 16,8-7-2-16,15-13-1 15,1-7-4-15,12-9-3 16,1-6 0-16,4-4-2 15,4-3-2-15,8-2-2 16,11 0 1-16,5-5-4 16,3-4 1-16,3-3 2 15,-5-5 2-15,-3 1 4 16,-3 0 0-16,-11 5 0 16,-3 1 3-16,-13 0-3 15,-3 1 2-15,-7-1 0 0,-2 3 1 16,-2-1 0-16,0-2-3 15,-2 0-3-15,0 0-11 16,-1 1-8-16,-14 4-10 16,-26 8-10-16,30-13-11 15,2-1-40 1,2 0-179-16,4-9 190 0</inkml:trace>
+  <inkml:trace contextRef="#ctx0" brushRef="#br0" timeOffset="45306.99">18497 5176 958 0,'43'5'333'0,"-48"-5"-287"16,0 0-47-16,-10 5-4 15,-10 1 8-15,-10 7 3 16,-5 6-6-16,-2 4 4 15,4 3-3-15,13 0-3 16,6 2 3-16,7-4-9 16,8 0 2-16,3-1 1 15,6-3-5-15,15-1 7 16,2 0 3-16,9-4-4 16,6 0 7-16,-5-1-1 15,2-2 1-15,-5 0 11 0,-4-4-1 16,-5 2 7-16,-6 0 0 15,-3-2-2-15,-1 3 3 16,-10 0 4-16,-3 3 4 16,-14 7 3-16,-4 3-1 15,-5 4-12-15,-5-2-7 16,1-6-9-16,5-1-3 0,7-10 0 16,4-5-2-1,7-8-18-15,0-7-13 0,1-5-27 16,5-2-17-16,2-6 51 15</inkml:trace>
+  <inkml:trace contextRef="#ctx0" brushRef="#br0" timeOffset="45795.7">18808 5260 822 0,'63'40'312'0,"-64"-24"-187"16,-4 8-109-16,1 4 7 15,0 4 11-15,4 0 2 16,1 1 0-16,3-2-3 0,1-7-8 15,2 1-3-15,0-10-6 16,0-1-1-16,-1-4-1 16,-1-5-1-16,-2-3-1 15,4-2 9-15,7-7 19 16,3-4 9-16,9-4 18 16,1-4 7-16,4-4-2 15,-6 0 1-15,3-3-14 16,-3-2-12-16,0-2-21 15,4-1-10-15,-7-1-11 16,-1 3 0-16,-4 3-6 16,-4 5 2-16,-4 5-8 15,0 2-12-15,-1 8-33 16,-2-2-19-16,1 1-22 16,2 2-8-16,3 0 1 15,-4 1-1-15,-1 3-23 0,-4 1 25 16,-7-2 63-16</inkml:trace>
+  <inkml:trace contextRef="#ctx0" brushRef="#br0" timeOffset="46307.42">17943 6090 965 0,'-8'-1'330'15,"0"-3"-278"-15,-1 2-32 16,-1-1 3-16,0-1 13 16,6 0-7-16,2 2-11 0,4 0-8 15,-2 1-10-15,0 0-1 16,28-4-2-16,41-8 5 16,-12 2 4-16,9 0-2 15,10 1 3-15,2-1 2 16,-2 6-2-16,-3-3 1 15,0 0-1-15,2 2 3 0,4-4 4 16,-3 0 2-16,-11 1 2 16,-7 0-2-16,-12 1-6 15,-2 0-1-15,-9 3-6 16,-3-2-4-16,-12 3 1 16,-5-3 0-16,-9 5-15 15,-6-2-12-15,-17-5-43 16,-4 5-41-16,-21-4 74 15</inkml:trace>
+  <inkml:trace contextRef="#ctx0" brushRef="#br0" timeOffset="46610.36">18009 6311 775 0,'43'8'361'0,"25"-8"-55"16,7-3-252 0,8-3-2-16,-2-3 15 0,-2-5-8 15,5-5-2-15,11-5-19 16,-1-4-13-16,-10-3-26 15,-8 0-10-15,-20 0-29 16,-1 1-15-16,-2 4-29 16,-12-2-17-16,-6 8-128 15,-10 0 150-15</inkml:trace>
+</inkml:ink>
+</file>
+
+<file path=ppt/ink/ink2.xml><?xml version="1.0" encoding="utf-8"?>
+<inkml:ink xmlns:inkml="http://www.w3.org/2003/InkML">
+  <inkml:definitions>
+    <inkml:context xml:id="ctx0">
+      <inkml:inkSource xml:id="inkSrc0">
+        <inkml:traceFormat>
+          <inkml:channel name="X" type="integer" max="30931" units="cm"/>
+          <inkml:channel name="Y" type="integer" max="17399" units="cm"/>
+          <inkml:channel name="F" type="integer" max="4095" units="dev"/>
+          <inkml:channel name="T" type="integer" max="2.14748E9" units="dev"/>
+        </inkml:traceFormat>
+        <inkml:channelProperties>
+          <inkml:channelProperty channel="X" name="resolution" value="1000.03235" units="1/cm"/>
+          <inkml:channelProperty channel="Y" name="resolution" value="999.9425" units="1/cm"/>
+          <inkml:channelProperty channel="F" name="resolution" value="0" units="1/dev"/>
+          <inkml:channelProperty channel="T" name="resolution" value="1" units="1/dev"/>
+        </inkml:channelProperties>
+      </inkml:inkSource>
+      <inkml:timestamp xml:id="ts0" timeString="2020-10-06T04:08:28.563"/>
+    </inkml:context>
+    <inkml:brush xml:id="br0">
+      <inkml:brushProperty name="width" value="0.05292" units="cm"/>
+      <inkml:brushProperty name="height" value="0.05292" units="cm"/>
+      <inkml:brushProperty name="color" value="#FF0000"/>
+    </inkml:brush>
+  </inkml:definitions>
+  <inkml:trace contextRef="#ctx0" brushRef="#br0">3842 5216 671 0,'-33'19'269'15,"-1"0"-146"-15,5 0-100 16,2 1 1-16,-1-7-7 16,-4-4-10-16,0-3 9 15,-3-3 2-15,-3 3 2 16,0 3-5-16,-15 4-19 15,-3 1-8-15,-10 0-3 0,-1-5 3 16,9-5 13-16,6-4 8 16,4-7 17-16,1-2 7 15,-5-11 0-15,-3-1 3 16,-5-7-16-16,-3-4-6 0,4-1-10 16,1-3-8-16,7-1-3 15,6-5-5-15,-3-6-5 16,5-2-1-16,5-7-4 15,0-7 4 1,9-1 3-16,-1-2 3 0,9 5 6 16,3 7-2-16,8 2 8 15,9 1 3-15,9-4-1 16,10-4 3-16,9-8-1 16,11 0-5-16,19 0 1 15,4 1-1-15,13 0 2 16,-3 1 1-16,12 3 2 15,10 5-4-15,9 10 0 16,-3 6 3-16,0 7 1 16,3 5 11-16,7 2 1 15,-2 4 0-15,-1 7-1 16,6 1-3-16,2 8-4 0,1 2-3 16,-4 7 2-16,1 6-6 15,0 3 2-15,-4 6 0 16,-4 5-3-16,-13 5 0 15,0 11-3-15,-6 7-3 16,1 18-11-16,-9 10-3 0,-18 8 1 16,-7 0-1-16,-14-1 13 15,-9-2 3-15,-9 14 6 16,-6 4 10-16,-14 0 7 16,-7-5 4-16,-19-3-2 15,-6-3-5-15,-14 1-5 16,-2 0-6-16,-20-14-4 15,-4-2-1-15,-13-11 0 16,-9-3-1-16,0-6 2 16,-13-5 2-16,-8-8 1 15,-3-2-10-15,-3-7 9 16,0-3-3-16,9-4 0 16,4-6 6-16,11-2-14 15,19-2-3-15,5-2-29 16,18 0-10-16,17-7-27 0,6 0 17 15,25-4 35-15</inkml:trace>
+  <inkml:trace contextRef="#ctx0" brushRef="#br0" timeOffset="1207.82">8078 5228 611 0,'-21'-3'246'0,"0"1"-150"0,0-2-44 15,1 2 5-15,-4-3-11 16,6-2-9-16,0 2-4 15,4-3 3-15,4 5 6 16,1-2 2-16,4 3-10 16,3 0 0-16,1-1-7 15,1 2-4-15,0-1 2 16,0 1-4-16,0 0-3 16,8-4-3-16,8 2-9 15,30-28-5-15,-21 25 0 16,1 4-1-16,7 1-3 15,0 0 4-15,7 2-1 16,1 2 0-16,1 2 0 16,4-1 0-16,-4 2 0 15,6-3-2-15,-2-2 2 0,2 1 0 16,4-1 1-16,1 0 1 16,6 4-2-16,0-2-1 15,3 0 1-15,-5 0 0 16,-1-3 1-16,0-4 0 15,3 0 0 1,1-4 0-16,8 2-1 0,-1 1 5 0,-5 1-3 16,5 2-1-16,-11-1 1 15,-2-1-3-15,2 2 3 16,-1 0 0-16,8-3 7 16,-2 2 4-16,-2-1-3 15,-6-1 3-15,-6 2-5 16,0 0-3-16,-5-1 3 15,0 1-7-15,-2 0-1 16,0 0 1-16,2-2 0 16,-6 1 6-16,-4 1 4 15,-3-1-2-15,-14 2-6 16,-3 1-7-16,-9-1-37 16,-4-3-19-16,-31-8 35 15</inkml:trace>
+  <inkml:trace contextRef="#ctx0" brushRef="#br0" timeOffset="21937.17">6304 3226 713 0,'7'-2'273'0,"-4"2"-174"0,4 4-81 15,-4 3 3 1,-14 4-3-16,-2 4 0 0,-16 5-5 16,-3 2-5-16,-6 9-6 15,-7 4-6-15,0 11-5 16,3 4-1-16,-5 6 2 15,1 0 0-15,1-5 5 16,2-3-1-16,1-9 1 16,0-3 1-16,0-6-4 15,-3-5-16-15,10-7-227 16,7-6 181-16</inkml:trace>
+  <inkml:trace contextRef="#ctx0" brushRef="#br0" timeOffset="22279.31">5856 3353 993 0,'21'7'341'15,"-2"3"-314"-15,1 3-26 16,3 4-1-16,-1 3 1 16,0 1 2-16,2 2 0 15,3-1 3-15,-2 3 1 16,2 0-5-16,2 1-2 16,-2 0-5-16,2-5-3 15,1 1 1-15,-1-2-2 16,-2-2 1-16,-5-4 1 15,-1 0-1-15,-11-7-12 16,4 2-18-16,-4-4-130 16,-3-1 114-16</inkml:trace>
+  <inkml:trace contextRef="#ctx0" brushRef="#br0" timeOffset="22642.29">6704 3281 746 0,'-2'5'286'16,"2"-1"-171"-16,0 8-101 16,0 5 7-16,-5 7 14 15,-3 7 4-15,-4 15-5 16,7 9-3-16,-4 10-10 16,0 2-6-16,1-8-7 15,3-6-7-15,-2-12-2 16,0-7-3-16,-3-9-10 15,3-3-6-15,0-10-33 16,0-4-21-16,1-17 46 0</inkml:trace>
+  <inkml:trace contextRef="#ctx0" brushRef="#br0" timeOffset="23098.72">6601 3458 919 0,'34'-27'317'0,"-24"37"-278"16,4 3-33-16,3 3 14 15,-2-2 6-15,4 3 1 16,-1 1-2-16,-1-2-11 16,4 5-8-16,1-10-4 15,-4-3-2-15,6-9-7 16,-6-15 0-16,6-12-7 15,7-11 2-15,0-11 3 16,2-1 1-16,-3 2 6 16,-2 6 0-16,-7 6 6 15,-3 5 3-15,-2 13 5 16,-5 3 2-16,-1 13 0 0,1 7 1 16,-1 12 5-16,1 8 3 15,-3 16 3-15,-1 7-3 16,5 8-6-16,-3 4-7 15,9 1-7 1,-5-5 0-16,-2-8-3 0,2-7 1 16,-6-13 2-16,3-4-5 0,-2-7-7 15,-5-5-8-15,-3 0-20 16,4-2-6-16,-1-3-25 16,-2 0-14-1,-1-4-94-15,3-2 114 0</inkml:trace>
+  <inkml:trace contextRef="#ctx0" brushRef="#br0" timeOffset="23414.88">7481 3160 1071 0,'75'49'359'0,"-79"-20"-346"0,-2 0-2 16,-3 7 9-16,-1-1-2 15,-3 0-3-15,5-1-2 16,3-10-11-16,3-3 0 16,6-5-8-16,6-6-3 15,12-2 2-15,8-3-1 16,16-9 4-16,6-5 1 0,4-3 2 15,-7-3-1-15,-7-1-9 16,-4 1-9-16,-6-3-39 16,-5-1 414-16,-6-5-279 15</inkml:trace>
+  <inkml:trace contextRef="#ctx0" brushRef="#br0" timeOffset="28682.3">2505 3358 724 0,'-8'1'256'0,"8"1"-221"16,0 1 0-16,0-2 3 15,0-1-3-15,0 0-1 0,0 0-9 16,15 3-9-16,37 5-5 16,-16-8-9-16,2-6 2 15,9-3-2-15,6-1-1 16,13-6 2-16,2 2-1 15,2 0 1-15,-6-3 7 16,-15 6 0-16,-10-1-6 0,-14 3-3 16,-2 2-8-16,-12 2-37 15,-3 4-28-15,-12-4 43 16</inkml:trace>
+  <inkml:trace contextRef="#ctx0" brushRef="#br0" timeOffset="28961.49">3007 3118 945 0,'-15'42'318'0,"-9"12"-312"0,-3-1 2 16,-12 1 0-16,-6 1-4 16,4 0 2-16,-4-3-4 15,13-6-4-15,7-6-6 16,4-8-28-16,7-8-19 16,3-11-178-16,1-9 159 15</inkml:trace>
+  <inkml:trace contextRef="#ctx0" brushRef="#br0" timeOffset="29235.54">2647 3137 920 0,'59'67'330'0,"-45"-60"-263"16,5 5-62-16,7 7 2 16,0 1-1-16,7 3 3 15,2-3-1-15,2 1-3 16,-3-3 1-16,-10-3-9 16,4-2-10-16,-7-5-17 0,3 0-19 15,-2-7-41-15,-2-1-163 16,-3-7 173-16</inkml:trace>
+  <inkml:trace contextRef="#ctx0" brushRef="#br0" timeOffset="29976.79">3307 3694 780 0,'-25'12'275'0,"-2"4"-234"15,2-1-15-15,-3 2-1 16,0 0-6-16,-4-2-8 15,-2 0-3-15,-4-2 1 0,-7-3-3 16,0-1 0-16,-9-2 6 16,-4-3-6-16,5-1 4 15,0-1 2-15,8-4-5 16,2-2 9-16,5-1 4 16,2-5 8-16,3-2 4 0,6-3-5 15,6-3-1-15,2-3-6 16,2 0-2-1,4-4-5-15,-5-3-6 0,11 0-7 16,4-4-1-16,6-7-5 16,5 1 2-16,4-9-1 15,7 0 2-15,2 1 3 16,3 0 0-16,0 4 1 16,1 3-3-16,2 4 2 15,2 3-1-15,-2 2-5 16,-3 0-2-16,4 0-4 15,-3-3-1-15,2 1 0 16,2 2 1-16,3 5 1 16,5 4-6-16,1 5 1 15,-1 4-1-15,-1 6 1 0,-1 3 1 16,-6 3 3 0,-2 1 1-16,-1 3 2 15,-6-1 8-15,-2 3-3 0,3 1 2 16,-4 7 0-16,1 4 0 15,0 11 1-15,2 4-1 16,-2 4 0-16,-1 2-1 16,-7 1 3-16,-7 1-1 0,-13 6 0 15,-7 6 1-15,-17 14 0 16,-6 5 3-16,-12 10 0 16,-7 0-3-16,-17-2-13 15,-2-2-15-15,-3-6 17 16</inkml:trace>
+  <inkml:trace contextRef="#ctx0" brushRef="#br0" timeOffset="54724.33">21380 6932 752 0,'-36'9'277'0,"-3"-1"-217"0,-2 7-30 16,-5 0 9-16,-10-3-4 16,-6-2 3-16,-11-5-7 15,0-4-7-15,-1-4-8 16,1-1-4-16,1-6-10 16,-6-3 3-16,-6-5-1 15,-3-4-4-15,6-4 0 16,5-5-2-16,6-5 0 15,4-3 5-15,-7-12-2 16,0-6 0-16,9-15-3 16,-2-3-6-16,15-3 6 15,5 2-4-15,5-5 5 16,8-5 0-16,-1-6 0 0,5-1-1 16,9 11 0-16,4 4 2 15,13 1-1-15,0 4 1 16,6 4 2-16,12 2-1 15,13 11 0-15,14 3-1 16,15-3-2-16,1 0-6 16,18-3-3-16,9 0-7 0,15 9-10 15,-1 7 3-15,-2 15-7 16,7 6 6-16,5 8 1 16,-1 8-3-16,4 6 2 15,-2 1-2-15,3 18 11 16,-1 4 2-16,-5 16 11 15,-9 11 2-15,-4 17 3 16,0 5 8-16,0 9 7 16,-6 3 2-16,-23 12 0 15,-9 3-6-15,-17 10-6 16,-14 2 1-16,-19 12-4 16,-9 3-2-16,-17 11-16 15,-8 10-21-15,-17-15 22 16</inkml:trace>
+  <inkml:trace contextRef="#ctx0" brushRef="#br0" timeOffset="55846.89">10168 7311 826 0,'-13'8'275'0,"6"5"-261"16,6 4 3-16,0 5 5 0,1-1 6 16,5 4-4-16,1 1-1 15,9 7-5-15,2 4-2 16,1 8-3-16,3 3-7 15,-3 5-1-15,-2 0-3 0,-5 0 0 16,-1-2 5-16,-10 1-2 16,-3 2 0-16,-10-6 1 15,-3-1-3-15,2-17 0 16,-1-8 2-16,3-11-9 16,-6-9-15-16,1-22-43 15,-10-24 40-15</inkml:trace>
+  <inkml:trace contextRef="#ctx0" brushRef="#br0" timeOffset="56060.83">10367 7154 927 0,'29'10'317'0,"21"5"-295"0,3 2 7 15,3-2-1-15,-1 2-2 16,-13 0-10-16,-2 2-7 16,-6 0-9-16,-5-1-23 15,-3-1-58-15,-4-5 286 16,-9-5-176-16</inkml:trace>
+  <inkml:trace contextRef="#ctx0" brushRef="#br0" timeOffset="56844.57">16408 7256 1185 0,'0'0'397'0,"-3"5"-384"16,-3 7-17-16,-8 18 3 0,-7 8 1 15,-15 37 8-15,11-14 1 16,-1 0-2 0,-20 61-3-16,0 15-18 0,25-30-10 15,24-41-8-15,5-13 1 16,19-22 12-16,2-9 8 0,4-14 9 16,8-8 2-1,1-20 7-15,-1-6 9 0,0-16 12 16,-10-1 2-16,-10-1 4 15,-3 4-2-15,-14 9-8 16,2 4 0-16,-10 9-11 16,-2 1-6-16,-8 6-20 15,-9 2-22-15,-9 8-32 16,-8 4-8-16,-11 7-11 16,-5 2-1-16,2 4-15 15,4 1 61-15</inkml:trace>
+  <inkml:trace contextRef="#ctx0" brushRef="#br0" timeOffset="57841.35">15940 8250 833 0,'-8'1'367'0,"2"0"-127"16,6 2-207-16,1 3-41 16,-1-6 8-16,0 0 5 15,21 11 3-15,45 13 0 16,-21-17-1-16,18-7-4 16,8-3-2-16,9-3 2 15,0-2-4-15,-11-2 1 16,-2 0 0-16,-9-2 2 15,0-1 1-15,-4 0 1 0,1 1 3 16,-2 1-1-16,-7 0 6 16,-8 1-1-16,-9 0 2 15,-12 0-3-15,0-3-2 16,-5-3-2-16,-2-4 0 16,0-6 1-16,-4-2-2 15,-2-5 13-15,2-2-3 0,-6 0 6 16,1-4 1-16,-5-3-10 15,0 0 2-15,-2-6-8 16,-1 0-5-16,0-8 0 16,-7-8-1-16,1-13 0 15,-1-10-9-15,2 3-1 16,-2 3 1-16,2 10 0 16,-6 7 4-16,-3 10 5 15,1 5-3-15,-12 13 0 16,2 5 4-16,-4 6-5 15,3 6 6-15,-1 1 0 16,1 3 4-16,6 4-2 16,-5 1-3-16,4 7 1 15,-9 0-9-15,-9 4 1 16,-4 4-2-16,-9 1-3 0,-2 0 4 16,-1-2 0-16,4 0 5 15,8-4-1-15,10 0 2 16,9-2 1-16,8-1 1 15,7 1 4-15,4 2-3 16,7 1 0-16,2 2-6 0,1 5-2 16,0 5 2-16,2 9 1 15,3 7 0-15,2 13 3 16,1 8-1-16,2 8-1 16,0 5-1-16,4 5 1 15,0 4 3-15,-3 15 6 16,-1 2-1-16,-5 5 5 15,-2-7-5-15,0-10 4 16,-3-5 8-16,0-6 0 16,0-1 7-16,0-8-9 15,1-6-3-15,2-14-14 16,0-11-25-16,5-13-38 16,4-7-21-16,10-19-174 15,-9-17 176-15</inkml:trace>
+  <inkml:trace contextRef="#ctx0" brushRef="#br0" timeOffset="60960.73">5272 13916 643 0,'73'69'287'0,"-74"-69"-124"16,-4-1-88-16,5 1-39 15,0 0-13-15,0 0-10 16,0 0 5-16,0 0 6 16,0 0 9-16,0 0-1 15,0 0-9-15,0 0-14 16,0 0-5-16,0 0-4 16,0 10 5-16,5 17 2 0,1 32-4 15,-2-6 7-15,-8 0-5 16,6 10-1-16,4 3 4 15,-3-4-5-15,-3 5-1 16,0 8 0-16,-7 1 2 16,5-5 3-16,0-35 4 15,0 0 3-15,-2 12-3 0,2-2-1 16,-4-18 1-16,0-14 1 16,7-3 0-16,-1-8 0 15,2 1-3-15,-1-4-3 16,-1 0-3-16,0-1-3 15,0-1 0-15,0 1-3 16,0 0 2-16,13-11 1 16,36-35 1-16,-21 26 3 15,-1 2 3-15,-6 0-3 16,-1 4 2-16,0-3-3 16,7 4-2-16,-3-5 0 15,1 1 1-15,-1 2-2 16,-2-1 0-16,1 4 2 15,-1 2-3-15,0-1 1 16,-1 4 0-16,2-2-1 0,-5 1 1 16,-4 1 1-16,-2-3-1 15,-9 4 0-15,2-1 5 16,-2 6-2-16,-3-4 2 16,0 4 11-16,0 0 0 15,0 1 6-15,-2 0 6 16,1 0-12-16,-5-3-4 0,-5-3-2 15,-34-16-10-15,23 20 2 16,-6-4 1-16,-3 2 0 16,-8-3 7-16,-4 1-3 15,-7-3 0-15,-7-1 10 16,-1-1 3-16,-7 2 4 16,-5 2-1-16,2 2-16 15,3-2-2-15,13 2-11 16,6 0-1-16,3 0 4 15,1 3-7-15,1-1 8 16,-4-3 5-16,6 3-7 16,1-2 8-16,13 3 6 15,5 0-10-15,11 3 4 16,7 0-1-16,2 1-10 0,7 1-2 16,-7-2 4-1,15 3-8-15,53 21 11 0,-26-5 1 16,0 10-1-16,0 4 0 15,0 9-4-15,-1 6 6 16,2 0 0-16,2-2 3 0,7-1-3 16,2-6-2-16,2-2-1 15,0 0 3-15,-6-1 1 16,-4 4 3-16,-8-4-3 16,-3-1-2-16,-4-8 3 15,-9-7-3-15,-6-8-1 16,-1-6 4-16,-9-4-2 15,2-1 3-15,-5-2-1 16,0-3-5-16,-2-4 3 16,-1-5-1-16,-4-7 3 15,-4-7 7-15,-4-7 1 16,-3-6 0-16,-2-5 4 16,-4-5-4-16,-3-13-5 15,1-5 4-15,0-6-7 16,-1 1-2-16,1 8 0 15,1 9 0-15,1 13-1 16,3 3 0-16,2 11 0 0,7 3-1 16,10 8-13-16,6 3-12 15,10-3-23-15,5 2-22 16,8 0-19-16,5 1-13 16,6 6-24-16,2 0 76 15</inkml:trace>
+  <inkml:trace contextRef="#ctx0" brushRef="#br0" timeOffset="62524.3">5934 9532 823 0,'-7'-14'313'15,"2"1"-201"-15,2 1-79 16,-4 2-2-16,-3 1 0 16,-1 0-9-16,-14-1-8 15,-2 1 0-15,-1 1-4 16,-2 0 3-16,5 7-6 15,-1 3 0-15,2 5-4 16,1 4-3-16,5 3-1 16,0 0 0-16,5 6 1 15,1 4 0-15,5 8 2 16,2 3-1-16,5 12-3 16,2 3 4-16,8 8-1 15,2 3 0-15,8-6 5 16,2-1-4-16,5-1 3 15,-5-2 4-15,4 10-3 0,-7 5 0 16,-8 2 0-16,-6-1-4 16,-26-4 3-16,-8-1-1 15,-18-1 0-15,-3-1-2 16,0-2-2-16,0-2 1 16,0-8-1-16,0-3-1 0,-7-13-8 15,1-6-3 1,0-11-2-16,2-4-1 0,21-3 6 15,3-5 5 1,19-2-3-16,10 3-12 0,8-3-12 16,7 0-6-16,10 1 9 15,6-1 9-15,8 4 19 16,4 3 3-16,1 7 4 16,0 3 4-16,-5 10-1 15,1 4 0-15,-1 16 0 16,-2 4 1-16,3 15-2 15,-2 2 1-15,-9 9-4 16,-4 11-2-16,-16 19-2 16,-8 2 0-16,-15 15 1 15,-9-1-2-15,-7-6 5 16,-1-2 9-16,0-13 8 0,7-11 7 16,4-21 1-16,8-7-2 15,7-23-9-15,6-8-9 16,6-13-10-16,9-7-10 15,12-12-21-15,5-9-20 16,24-18-60-16,10-11 69 16</inkml:trace>
+  <inkml:trace contextRef="#ctx0" brushRef="#br0" timeOffset="64015.42">8079 15028 795 0,'-19'20'320'0,"-5"2"-192"16,1 1-83-16,-2 4-21 15,-3 2-13-15,-6 0-4 16,-6-1-7-16,-5-4 0 0,-7 0 0 15,-7-2 3-15,-8-1 9 16,-1-3 7-16,7-5 7 16,2-4-3-16,10-9-4 15,7-3-3-15,-2-9-5 16,4-6-4-16,-6-7-3 16,-1-4-2-16,1-9-2 15,0-5-2-15,12-11-1 16,4-6-1-16,7-5 1 15,-1 3 3-15,1-4 0 16,1-5 0-16,5-16-2 16,2-5 2-16,2 6 1 15,2 3 3-15,3 17 4 16,3 6 0-16,5 2 3 0,5 5 1 16,3-3-3-16,5 3 0 15,6 7-4-15,3 2-1 16,7 12-4-1,6 2 0-15,12 2-2 0,11 2 1 16,12 3 1-16,3 3 1 16,-7 7 0-16,-3 4 0 0,-9 9-1 15,0 4-1-15,12 4 0 16,7 4-1-16,1 6 2 16,-4 0 0-16,-11 7 0 15,-5 4 3-15,0 9-1 16,9 6 2-16,-1 7 3 15,2 1-4-15,-9 6 4 16,-5-1-4-16,-5 9 4 16,0 3 4-16,-9 1-2 15,-5 8 3-15,-8-3-8 16,-7-4 2-16,-13-8-3 16,-6-7-1-16,-16-4 1 15,-5 2-5-15,-18 5 3 16,0 6-2-16,-20-9-12 0,-8-3-13 15,-7-15-43-15,-2-10-33 16,8-9 62-16</inkml:trace>
+</inkml:ink>
+</file>
+
+<file path=ppt/ink/ink3.xml><?xml version="1.0" encoding="utf-8"?>
+<inkml:ink xmlns:inkml="http://www.w3.org/2003/InkML">
+  <inkml:definitions>
+    <inkml:context xml:id="ctx0">
+      <inkml:inkSource xml:id="inkSrc0">
+        <inkml:traceFormat>
+          <inkml:channel name="X" type="integer" max="30931" units="cm"/>
+          <inkml:channel name="Y" type="integer" max="17399" units="cm"/>
+          <inkml:channel name="F" type="integer" max="4095" units="dev"/>
+          <inkml:channel name="T" type="integer" max="2.14748E9" units="dev"/>
+        </inkml:traceFormat>
+        <inkml:channelProperties>
+          <inkml:channelProperty channel="X" name="resolution" value="1000.03235" units="1/cm"/>
+          <inkml:channelProperty channel="Y" name="resolution" value="999.9425" units="1/cm"/>
+          <inkml:channelProperty channel="F" name="resolution" value="0" units="1/dev"/>
+          <inkml:channelProperty channel="T" name="resolution" value="1" units="1/dev"/>
+        </inkml:channelProperties>
+      </inkml:inkSource>
+      <inkml:timestamp xml:id="ts0" timeString="2020-10-06T04:10:05.343"/>
+    </inkml:context>
+    <inkml:brush xml:id="br0">
+      <inkml:brushProperty name="width" value="0.05292" units="cm"/>
+      <inkml:brushProperty name="height" value="0.05292" units="cm"/>
+      <inkml:brushProperty name="color" value="#FF0000"/>
+    </inkml:brush>
+  </inkml:definitions>
+  <inkml:trace contextRef="#ctx0" brushRef="#br0">11866 1823 334 0,'-143'102'166'0,"106"-80"4"16,-3-3-156-16,-1 1 7 15,-8-3 14-15,-6-3 7 16,-6-5 9-16,0-4 0 16,-1-2-4-16,-1-1-4 15,-5 1-29-15,-4-1-1 16,-13-2-6-16,-2 0-7 0,1 0 2 15,-5-1-15-15,1-1-18 16,-9-2-4-16,2-3-11 16,-2-4-2-16,0-4 6 15,0 0 3 1,-3-2 16-16,2-2 10 0,6-2 9 16,10-1-16-16,3-4-5 15,1-4 4-15,-1-6 10 16,3-5 18-16,6-7 2 15,10-1 11-15,9-2 1 16,8 1 9-16,10-4 18 16,4-4-10-16,14-15-8 15,2-5-2-15,13-8-1 16,9 6-4-16,10 14 0 0,10-4-6 16,6 3-10-16,4-5-3 15,9-5-5-15,6 10-2 16,12 6-4-16,12 6 0 15,11 8 1-15,7-10 3 16,6 1 3-16,5 3 0 0,8 4 4 16,4 11-3-16,-1 12 1 15,6 5-5-15,4 7 0 16,0 3 0-16,19 3 0 16,5 2 3-16,0 1-2 15,1 3-1-15,2 9 9 16,-10 3 2-16,-7 11 2 15,2 12 0-15,-14 10-10 16,-6 4-6-16,-12 11-8 16,-9-3-1-16,-7 1-6 15,-7 3-2-15,-9 7 3 16,-11 1-3-16,-20 18 2 16,-9 1 6-16,-23 5-1 15,-5 5 6-15,-25 10 3 16,-14 6 0-16,-33 3 1 0,-17 4-3 15,-21 0 3 1,-8-1-2-16,-22-4-23 0,-9 0-148 16,-24-5 128-16</inkml:trace>
+  <inkml:trace contextRef="#ctx0" brushRef="#br0" timeOffset="1671.13">4065 1860 437 0,'-5'-1'206'0,"1"1"-39"15,2 0-155-15,1 0-8 16,1 0-1-16,0 0 13 16,0 0 9-16,0 0 12 15,0 3 6-15,0 0-11 16,0 1 0-16,1 1-7 15,2 2-2-15,3 3-3 16,30 25-7-16,-20-29-3 16,2 1-7-16,4-1 1 15,0-2-1-15,5-2 6 16,8-1 7-16,12 0 1 16,2-1-3-16,2 0-7 15,-1 0-1-15,-8 2-3 0,-2-2-1 16,1 2-1-16,0-1 2 15,4-1-3-15,6 2 7 16,11 0 1-16,-2 1-8 16,-2 1 3-16,-2 3-4 15,-11-1 0-15,4 0 3 16,-1-1-3-16,2-1 2 0,6 0 0 16,3 1-2-16,5-2 4 15,1-2-4-15,-2 1-1 16,0-2 3-16,-3-1-4 15,8 0 3-15,2-1 1 16,8 2 0-16,-2 3 6 16,-6 3-7-16,-4 0 0 15,-9 4-2-15,8-1-1 16,2 2 3-16,6 1 1 16,-1-2-1-16,-5-1 0 15,-5-2 1-15,-1 3-2 16,2 0 3-16,13-1-1 15,4 3-3-15,-3-7 8 16,-1-3 1-16,-9 0 5 0,-5-6 6 16,-2-3-2-16,6-1 0 15,-6-4-2 1,-8 4-6-16,-14 4-17 0,-16 3-34 16,-19-3 28-16</inkml:trace>
+  <inkml:trace contextRef="#ctx0" brushRef="#br0" timeOffset="11913.23">1241 11107 771 0,'-3'-6'277'16,"3"4"-240"-16,0 3-12 0,0-1-14 16,0 0-2-16,-2-1 1 15,1 0 16-15,1 1 8 16,-3 0 4-16,2 0 6 15,0 0-13-15,-14 4-3 16,-29 13-6-16,27-12-11 16,-3 5-4-16,-5 5-9 15,-7 4-10-15,-10 3-5 16,-7-1 0-16,-6-3 5 16,7 1 3-16,3-5 4 15,5 4 5-15,6-1 0 16,-1 1 0-16,0 3 0 0,0 0-2 15,4 1-2-15,9-2 5 16,5-6 2-16,10-4-2 16,-3-9 5-16,9 2-5 15,6 3 0-15,-1 0 2 16,12 5-4-16,-3-5 4 16,2-1-2-16,0 1-1 0,5-1 1 15,1 8-1-15,3 6-1 16,2 3 3-16,3 3 1 15,0 0-3-15,7-4 0 16,2-1 0-16,4-4 0 16,0-4 3-16,4-4 2 15,-6 0-4-15,2-4 1 16,-4 3 3-16,-6-3-3 16,-3-3-1-16,-2-1 5 15,-7-4 1-15,-2-5 3 16,-4-2 5-16,-4-3 2 15,-1-3-5-15,-4-4 0 16,-1-2 1-16,-4-5-1 16,-3-5-1-16,-3-6 2 15,-2-2-4-15,0 0 1 16,-1 2 0-16,1-2-1 0,0-2 0 16,-2-5-2-16,4-5-5 15,-4-5-1-15,2-1 2 16,-2 3-4-16,0 6 3 15,2 13-2-15,-1 6-1 0,5 10 1 16,-1 5-2-16,2 5 3 16,3 3-2-16,-5 4-3 15,1-1 1-15,-1 3-4 16,-2 0 3-16,-7 3-2 16,1 4-1-16,-7 5 0 15,2 7 0-15,-1 9 1 16,3 7 2-16,-6 13 0 15,1 7 2-15,3 9-1 16,-3 6 3-16,5 1-3 16,0-1 2-16,0 1-1 15,2-3 1-15,3 1 0 16,1-3 0-16,7-12 0 16,-1-5 0-16,0-12 2 15,2-3-1-15,1-8 0 0,1-4-1 16,4-8-1-16,6-5 3 15,5-7-1-15,5-1 4 16,8-15 0-16,-2-2 1 16,7-14 5-16,-4-5-4 15,3-15 2-15,-1-5 0 16,-4-6 0-16,-3-1 1 0,-2 9-3 16,2 3-1-16,0 7-1 15,0 1-3-15,-2 6-1 16,-1 6 1-16,-4 10 0 15,-3 6-1-15,-4 8 2 16,1 6-1 0,-4 2-7-16,3 2-4 0,1 9-18 15,-3 0-11-15,0 11-47 16,-2 4-23-16,-15 6 68 16</inkml:trace>
+  <inkml:trace contextRef="#ctx0" brushRef="#br0" timeOffset="15195.94">1426 13014 604 0,'0'0'268'15,"0"0"-124"-15,0 0-91 16,0 0-9-16,0 0-9 0,0 0-1 15,0 0 9-15,0 0 10 16,0 0 0-16,-2 0-3 16,1 0-11-16,-2 0-7 15,-14 1-14-15,-29 3 1 16,33 0-10-16,-2-1-5 16,-5 3 1-16,1 4-5 15,-12 8 2-15,-3 4-2 0,-6 7-2 16,-8 4 3-16,-1 5-3 15,-4 0-2-15,-5-1-1 16,8-2-3-16,6-10 3 16,9-1 3-16,13-5 0 15,-1-5 2-15,9-1 0 16,2-2-1-16,7-4 0 16,1-2 1-16,4-4-3 15,2 0-2-15,-2-1 0 16,0 0-3-16,0 0 2 15,0 0 4-15,0-1 1 16,15 1 1-16,30 4 0 16,-28-1-2-16,8 7-1 15,6 0 4-15,10 5-1 16,-2 0 0-16,7 5 1 0,2 1-2 16,-8-2 1-16,11 7-1 15,-13-3 1-15,-3 0 1 16,-2 4-1-16,1-3 0 15,1 0 3-15,-3-4 1 16,-2-5 4-16,1-2 4 0,-2-2-4 16,-4 0 0-16,-1-5-3 15,0 0-7-15,-12-4 3 16,-2-2-1-16,-8 2 0 16,-2-9 5-16,-3-8 4 15,-3-5 1-15,-6-11 1 16,-4-3-5-16,0-3-3 15,-8-2 2-15,-3-3-4 16,0 3 1-16,-6-5-2 16,5-3-2-16,4-4 1 15,1-4 3-15,4-1-1 16,1 2 2-16,2 0-2 16,-1 5-3-16,9 12 2 15,1 6-4-15,0 11 4 16,4 5 1-16,3 5-1 15,0 4 1-15,0 3-4 0,2 0-1 16,-2 2-3-16,0 0-3 16,0 1 4-16,0 0-2 15,0 0 4-15,1 13 2 16,3 45-3-16,-7-20 2 16,2 16-3-16,-2 9 2 15,2 8 3-15,-2 1-1 0,-3-8 0 16,2-5 2-1,-1-3 0-15,2 1 0 0,0 2 0 16,-3-1 0-16,3-10 0 16,1-5 0-16,-1-15 3 15,3-4-3-15,0-8 0 16,0-7 0-16,0-3-1 16,0-2 2-16,0-5 0 15,0 0 1-15,0 0 6 16,0-10-1-16,14-55 6 15,-6 22-2-15,1-5-5 16,2 0 1-16,3 0-7 16,0-4 1-16,4 4-2 15,3-3 1-15,7-8 0 16,2-1 1-16,3-9-1 16,1 2 3-16,1 12-3 0,-11 7 0 15,-6 15 5-15,-1 6 5 16,-7 5 11-16,-1 2-1 15,-6 1-2-15,-1 2-5 16,-2 9-9-16,1 0-1 16,-1 7-3-16,0 3 1 0,0-1 0 15,0 0 0-15,0 0 4 16,0 0-8-16,3 13-2 16,7 37-6-16,-6-25-40 15,-1 3-27-15,11-4 46 16</inkml:trace>
+  <inkml:trace contextRef="#ctx0" brushRef="#br0" timeOffset="17037.61">3268 13728 871 0,'-91'8'339'0,"74"-12"-206"16,4 0-112-16,6 0-18 15,0 0-2-15,1-7-1 16,-3 3 2-16,-1-2 14 0,-1-3 12 16,0 7 16-16,1 2-3 15,3 4-10-15,1-3-6 16,5 4-19-16,1-1-3 15,0 0-5-15,0 0-7 16,0 0 0-16,1 2 3 0,19 5 2 16,29 35 3-16,-25-28 0 15,5-3 1-15,1 0 1 16,9 0-2-16,4-2 3 16,5-1-4-16,4 3 2 15,-2-4 2-15,1-3-2 16,-2-2 2-16,7 1-2 15,1 2 3-15,15-2 1 16,5 3-1-16,3-4 0 16,0-3-3-16,-7 0 0 15,-3-2 0-15,10-4 0 16,4 6 4-16,3 0 0 16,1 1 5-16,-5 2-2 15,-6 1-1-15,15 1-5 16,5-1-2-16,1 0-2 15,-1 0 3-15,-7-1 2 0,2 2-1 16,3 1 0-16,1-1-1 16,-11-1-3-16,-3-1 4 15,5 0 0-15,4 1-2 16,7 1 1-16,-2 0 0 16,-7 1-1-16,4 0 3 0,10 2-1 15,4-2-1-15,-2 4 0 16,-3 0-2-16,8 3 0 15,6 0 1-15,2 2-3 16,6-1 2-16,3 1 1 16,-1-2 2-16,-3-2 1 15,-2-2 1-15,2-3 3 16,-2 0-3-16,-2-2 3 16,3-3 2-16,-3-1 6 15,-1-3-2-15,4-3 0 16,0-1-4-16,1-1-2 15,-2 0 1-15,-2 1 1 16,3-1 8-16,-2 4 0 16,1 1-5-16,-6 4 4 15,-6 0-13-15,-6 4-7 16,-1-1 8-16,4 0-3 16,1 0 14-16,1-4 7 0,1 1-8 15,2-3 1-15,-7 3-4 16,-13-2 2-16,-7-3 6 15,3-1-1-15,-6-3-6 16,-15 3-3-16,-2 0-8 16,-20 0 4-16,-6 3-8 0,-9-3-57 15,-5-2-26-15,-10-9 348 16,-8-10-227-16</inkml:trace>
+  <inkml:trace contextRef="#ctx0" brushRef="#br0" timeOffset="20007.53">2616 12371 553 0,'-9'3'282'0,"2"-3"-30"15,6 2-202-15,0-5 1 16,1 3-24-16,0-1-9 15,0 0 3-15,0 1-3 16,0 0-4-16,0 0 0 16,0 0-9-16,0 0-3 15,0 0 1-15,5 3 2 0,15 2 2 16,28 1-1-16,-19-13 2 16,7 1-3-16,11-1-1 15,9-4 2-15,4 0-4 16,6 1 0-16,-4 5-2 15,-6-1-1-15,0-2 0 16,-4-2 0-16,11-5 1 16,7 2 0-16,3 2 1 15,-2 0 0-15,2 2-1 16,-3 4 3-16,16 0-3 16,8 5 1-16,8 4 0 15,0 1-1-15,-6 2 1 16,2-4-1-16,7 1 0 15,-1 0 0-15,-6-2-1 16,-3 1 2-16,2-1-1 16,2 2 0-16,3 0-1 0,-2 0 1 15,-4 4 0-15,5-1 0 16,-1 1 0-16,3 0 0 16,-12 0 2-16,-4-2-1 15,11 2 0-15,-3-1 0 16,2-5-1-16,-4 0 1 15,-9-5 1-15,3-3-1 0,4 2-1 16,3-3 0-16,-6 7-2 16,-8 0 1-1,3 1-1-15,12 0 2 0,3 0 0 16,-1-1 0-16,-6-2-1 16,-7-1 1-16,11 2 0 15,4 2 1-15,0 2-1 16,-5 4 0-16,7 3 0 15,1 3 0-15,6 3 2 16,-1-2 4-16,1 1 5 16,4-7 19-16,10-4 17 15,0-1-3-15,3 3-3 16,2-3-20-16,1 0-11 16,3-2 0-16,7-8-3 15,-2-2 7-15,0-5 1 0,0 1-9 16,-2 4 2-16,-5-2-1 15,0 7-7-15,2 3 6 16,-2 2-5-16,1 9 2 31,-2-1 0-31,-2-2-3 0,-8 0 9 0,-3-3-5 16,-10-2 12-16,-3 3 17 0,-5-2 13 16,-38 0-1-1,-2-1-8-15,38 2-16 0,1 0-16 16,-22-4 3-16,-25 1-7 15,-5 1-9-15,-9-2-35 16,-17 3-24-16,3-3-44 16,-10-11-37-16,-4-2 97 15</inkml:trace>
+  <inkml:trace contextRef="#ctx0" brushRef="#br0" timeOffset="23316.82">14105 10164 791 0,'5'-8'284'16,"-2"1"-237"-16,4 3-40 16,-4 4-7-16,-2 0-9 15,1 6 4-15,-4-6 0 16,1 0 5-16,1 0 12 0,-3 3 6 16,-17 9 7-16,-34 34-1 15,33-32-8 1,2 1-6-16,-17 17-6 0,-9 9-4 15,7-4 1-15,3 4 0 16,-4-1 0-16,-2 6 3 16,2 2 4-16,-10-3 8 15,-3-2 3-15,-7-7 3 16,-1 1-1-16,7-5-5 16,2 1-7-16,5 0 2 15,0 0-5-15,2-2-5 16,5-1 5-16,-2-1-6 15,5-3 0-15,-1 1-1 16,1-3-1-16,12-1 2 16,0 0-2-16,5-5 5 0,-2 0-4 15,4 1 1-15,-1-1 0 16,2 3 0-16,9 2 1 16,-4-2 0-16,0 0-1 15,-10-2 0-15,-5 0 2 16,1-4-2-16,1 1 4 15,5-2 1-15,5-1 0 16,2-4 1-16,4-1-2 0,5-3-3 16,0-2-2-16,3 1-8 15,0-3-3-15,0-2-12 16,0 0-4-16,0-1-13 16,5-13-10-16,23-42 24 15,-17 22 9-15</inkml:trace>
+  <inkml:trace contextRef="#ctx0" brushRef="#br0" timeOffset="23807.81">13010 10672 735 0,'-14'-4'335'0,"2"-1"-94"0,7 6-217 15,8 16-19 1,-6 3-5-16,-7 7 2 0,-1 3-2 16,-7-1-1-16,1-3 3 15,-14 10 6-15,-4 4 9 16,-6 12 5-16,2 11 0 0,4 5-5 16,1-1-5-16,5-2-8 15,1-6-2-15,7-6 1 16,1-5-3-16,5-2 0 15,4-7 0-15,5-4 0 16,6-4 0-16,0-10 0 16,8 0 0-16,5-8 3 15,1-3 0-15,7-7 11 16,4 1 1-16,6-4 0 16,1 1 1-16,7 2-10 15,2-3-1-15,11 1-5 16,-4-1 0-16,2-7 0 15,-1 2 0-15,-10-5 1 16,-2-5 1-16,-9 5 4 16,-4-3-4-16,-7 7 2 0,-3 3-2 15,-5 0 0 1,-3 0-1-16,-5 3-14 0,-1-1-20 16,-1 0-60-16,1 0 61 15</inkml:trace>
+</inkml:ink>
 </file>
 
 <file path=ppt/notesMasters/notesMaster1.xml><?xml version="1.0" encoding="utf-8"?>
@@ -1037,6 +1180,100 @@
       </p:grpSpPr>
       <p:sp>
         <p:nvSpPr>
+          <p:cNvPr id="2" name="슬라이드 이미지 개체 틀 1"/>
+          <p:cNvSpPr>
+            <a:spLocks noGrp="1" noRot="1" noChangeAspect="1"/>
+          </p:cNvSpPr>
+          <p:nvPr>
+            <p:ph type="sldImg"/>
+          </p:nvPr>
+        </p:nvSpPr>
+        <p:spPr/>
+      </p:sp>
+      <p:sp>
+        <p:nvSpPr>
+          <p:cNvPr id="3" name="슬라이드 노트 개체 틀 2"/>
+          <p:cNvSpPr>
+            <a:spLocks noGrp="1"/>
+          </p:cNvSpPr>
+          <p:nvPr>
+            <p:ph type="body" idx="1"/>
+          </p:nvPr>
+        </p:nvSpPr>
+        <p:spPr/>
+        <p:txBody>
+          <a:bodyPr/>
+          <a:lstStyle/>
+          <a:p>
+            <a:r>
+              <a:rPr lang="en-US" altLang="ko-KR" dirty="0"/>
+              <a:t>https://github.com/iceman67/Public_OpenAPI</a:t>
+            </a:r>
+            <a:endParaRPr lang="ko-KR" altLang="en-US" dirty="0"/>
+          </a:p>
+        </p:txBody>
+      </p:sp>
+      <p:sp>
+        <p:nvSpPr>
+          <p:cNvPr id="4" name="슬라이드 번호 개체 틀 3"/>
+          <p:cNvSpPr>
+            <a:spLocks noGrp="1"/>
+          </p:cNvSpPr>
+          <p:nvPr>
+            <p:ph type="sldNum" sz="quarter" idx="5"/>
+          </p:nvPr>
+        </p:nvSpPr>
+        <p:spPr/>
+        <p:txBody>
+          <a:bodyPr/>
+          <a:lstStyle/>
+          <a:p>
+            <a:pPr>
+              <a:defRPr/>
+            </a:pPr>
+            <a:fld id="{3E2263B7-46F1-4FF4-9A5D-4FF0A3275C8E}" type="slidenum">
+              <a:rPr lang="en-US" altLang="ko-KR" smtClean="0"/>
+              <a:pPr>
+                <a:defRPr/>
+              </a:pPr>
+              <a:t>2</a:t>
+            </a:fld>
+            <a:endParaRPr lang="en-US" altLang="ko-KR"/>
+          </a:p>
+        </p:txBody>
+      </p:sp>
+    </p:spTree>
+    <p:extLst>
+      <p:ext uri="{BB962C8B-B14F-4D97-AF65-F5344CB8AC3E}">
+        <p14:creationId xmlns:p14="http://schemas.microsoft.com/office/powerpoint/2010/main" val="3226666825"/>
+      </p:ext>
+    </p:extLst>
+  </p:cSld>
+  <p:clrMapOvr>
+    <a:masterClrMapping/>
+  </p:clrMapOvr>
+</p:notes>
+</file>
+
+<file path=ppt/notesSlides/notesSlide3.xml><?xml version="1.0" encoding="utf-8"?>
+<p:notes xmlns:a="http://schemas.openxmlformats.org/drawingml/2006/main" xmlns:r="http://schemas.openxmlformats.org/officeDocument/2006/relationships" xmlns:p="http://schemas.openxmlformats.org/presentationml/2006/main">
+  <p:cSld>
+    <p:spTree>
+      <p:nvGrpSpPr>
+        <p:cNvPr id="1" name=""/>
+        <p:cNvGrpSpPr/>
+        <p:nvPr/>
+      </p:nvGrpSpPr>
+      <p:grpSpPr>
+        <a:xfrm>
+          <a:off x="0" y="0"/>
+          <a:ext cx="0" cy="0"/>
+          <a:chOff x="0" y="0"/>
+          <a:chExt cx="0" cy="0"/>
+        </a:xfrm>
+      </p:grpSpPr>
+      <p:sp>
+        <p:nvSpPr>
           <p:cNvPr id="14338" name="Rectangle 7">
             <a:extLst>
               <a:ext uri="{FF2B5EF4-FFF2-40B4-BE49-F238E27FC236}">
@@ -1158,7 +1395,7 @@
             <a:fld id="{DA347B38-8AF0-43C2-A8C3-C89217698C61}" type="slidenum">
               <a:rPr lang="en-US" altLang="ko-KR" sz="1200" smtClean="0"/>
               <a:pPr/>
-              <a:t>5</a:t>
+              <a:t>6</a:t>
             </a:fld>
             <a:endParaRPr lang="en-US" altLang="ko-KR" sz="1200"/>
           </a:p>
@@ -1229,7 +1466,7 @@
 </p:notes>
 </file>
 
-<file path=ppt/notesSlides/notesSlide3.xml><?xml version="1.0" encoding="utf-8"?>
+<file path=ppt/notesSlides/notesSlide4.xml><?xml version="1.0" encoding="utf-8"?>
 <p:notes xmlns:a="http://schemas.openxmlformats.org/drawingml/2006/main" xmlns:r="http://schemas.openxmlformats.org/officeDocument/2006/relationships" xmlns:p="http://schemas.openxmlformats.org/presentationml/2006/main">
   <p:cSld>
     <p:spTree>
@@ -1369,7 +1606,7 @@
             <a:fld id="{91857D48-3129-4B13-B562-E811E1E889D9}" type="slidenum">
               <a:rPr lang="en-US" altLang="ko-KR" sz="1200" smtClean="0"/>
               <a:pPr/>
-              <a:t>7</a:t>
+              <a:t>8</a:t>
             </a:fld>
             <a:endParaRPr lang="en-US" altLang="ko-KR" sz="1200"/>
           </a:p>
@@ -1426,132 +1663,6 @@
         </p:txBody>
       </p:sp>
     </p:spTree>
-  </p:cSld>
-  <p:clrMapOvr>
-    <a:masterClrMapping/>
-  </p:clrMapOvr>
-</p:notes>
-</file>
-
-<file path=ppt/notesSlides/notesSlide4.xml><?xml version="1.0" encoding="utf-8"?>
-<p:notes xmlns:a="http://schemas.openxmlformats.org/drawingml/2006/main" xmlns:r="http://schemas.openxmlformats.org/officeDocument/2006/relationships" xmlns:p="http://schemas.openxmlformats.org/presentationml/2006/main">
-  <p:cSld>
-    <p:spTree>
-      <p:nvGrpSpPr>
-        <p:cNvPr id="1" name=""/>
-        <p:cNvGrpSpPr/>
-        <p:nvPr/>
-      </p:nvGrpSpPr>
-      <p:grpSpPr>
-        <a:xfrm>
-          <a:off x="0" y="0"/>
-          <a:ext cx="0" cy="0"/>
-          <a:chOff x="0" y="0"/>
-          <a:chExt cx="0" cy="0"/>
-        </a:xfrm>
-      </p:grpSpPr>
-      <p:sp>
-        <p:nvSpPr>
-          <p:cNvPr id="2" name="슬라이드 이미지 개체 틀 1"/>
-          <p:cNvSpPr>
-            <a:spLocks noGrp="1" noRot="1" noChangeAspect="1"/>
-          </p:cNvSpPr>
-          <p:nvPr>
-            <p:ph type="sldImg"/>
-          </p:nvPr>
-        </p:nvSpPr>
-        <p:spPr/>
-      </p:sp>
-      <p:sp>
-        <p:nvSpPr>
-          <p:cNvPr id="3" name="슬라이드 노트 개체 틀 2"/>
-          <p:cNvSpPr>
-            <a:spLocks noGrp="1"/>
-          </p:cNvSpPr>
-          <p:nvPr>
-            <p:ph type="body" idx="1"/>
-          </p:nvPr>
-        </p:nvSpPr>
-        <p:spPr/>
-        <p:txBody>
-          <a:bodyPr/>
-          <a:lstStyle/>
-          <a:p>
-            <a:pPr marL="0" marR="0" lvl="0" indent="0" algn="l" defTabSz="914400" rtl="0" eaLnBrk="0" fontAlgn="base" latinLnBrk="0" hangingPunct="0">
-              <a:lnSpc>
-                <a:spcPct val="100000"/>
-              </a:lnSpc>
-              <a:spcBef>
-                <a:spcPct val="30000"/>
-              </a:spcBef>
-              <a:spcAft>
-                <a:spcPct val="0"/>
-              </a:spcAft>
-              <a:buClrTx/>
-              <a:buSzTx/>
-              <a:buFontTx/>
-              <a:buNone/>
-              <a:tabLst/>
-              <a:defRPr/>
-            </a:pPr>
-            <a:r>
-              <a:rPr lang="ko-KR" altLang="en-US" dirty="0"/>
-              <a:t>http://api.openweathermap.org/data/2.5/weather?</a:t>
-            </a:r>
-            <a:r>
-              <a:rPr lang="en-US" altLang="ko-KR" dirty="0"/>
-              <a:t> q=</a:t>
-            </a:r>
-            <a:r>
-              <a:rPr lang="en-US" altLang="ko-KR" dirty="0" err="1"/>
-              <a:t>Seoul&amp;appid</a:t>
-            </a:r>
-            <a:r>
-              <a:rPr lang="en-US" altLang="ko-KR" dirty="0"/>
-              <a:t>=a070fcd8fc2db8d5d1f140466a2012b4</a:t>
-            </a:r>
-            <a:endParaRPr lang="ko-KR" altLang="en-US" dirty="0"/>
-          </a:p>
-          <a:p>
-            <a:endParaRPr lang="ko-KR" altLang="en-US" dirty="0"/>
-          </a:p>
-        </p:txBody>
-      </p:sp>
-      <p:sp>
-        <p:nvSpPr>
-          <p:cNvPr id="4" name="슬라이드 번호 개체 틀 3"/>
-          <p:cNvSpPr>
-            <a:spLocks noGrp="1"/>
-          </p:cNvSpPr>
-          <p:nvPr>
-            <p:ph type="sldNum" sz="quarter" idx="5"/>
-          </p:nvPr>
-        </p:nvSpPr>
-        <p:spPr/>
-        <p:txBody>
-          <a:bodyPr/>
-          <a:lstStyle/>
-          <a:p>
-            <a:pPr>
-              <a:defRPr/>
-            </a:pPr>
-            <a:fld id="{3E2263B7-46F1-4FF4-9A5D-4FF0A3275C8E}" type="slidenum">
-              <a:rPr lang="en-US" altLang="ko-KR" smtClean="0"/>
-              <a:pPr>
-                <a:defRPr/>
-              </a:pPr>
-              <a:t>11</a:t>
-            </a:fld>
-            <a:endParaRPr lang="en-US" altLang="ko-KR"/>
-          </a:p>
-        </p:txBody>
-      </p:sp>
-    </p:spTree>
-    <p:extLst>
-      <p:ext uri="{BB962C8B-B14F-4D97-AF65-F5344CB8AC3E}">
-        <p14:creationId xmlns:p14="http://schemas.microsoft.com/office/powerpoint/2010/main" val="2337730891"/>
-      </p:ext>
-    </p:extLst>
   </p:cSld>
   <p:clrMapOvr>
     <a:masterClrMapping/>
@@ -1603,14 +1714,43 @@
           <a:bodyPr/>
           <a:lstStyle/>
           <a:p>
+            <a:pPr marL="0" marR="0" lvl="0" indent="0" algn="l" defTabSz="914400" rtl="0" eaLnBrk="0" fontAlgn="base" latinLnBrk="0" hangingPunct="0">
+              <a:lnSpc>
+                <a:spcPct val="100000"/>
+              </a:lnSpc>
+              <a:spcBef>
+                <a:spcPct val="30000"/>
+              </a:spcBef>
+              <a:spcAft>
+                <a:spcPct val="0"/>
+              </a:spcAft>
+              <a:buClrTx/>
+              <a:buSzTx/>
+              <a:buFontTx/>
+              <a:buNone/>
+              <a:tabLst/>
+              <a:defRPr/>
+            </a:pPr>
+            <a:r>
+              <a:rPr lang="ko-KR" altLang="en-US" dirty="0"/>
+              <a:t>http://api.openweathermap.org/data/2.5/weather?</a:t>
+            </a:r>
             <a:r>
               <a:rPr lang="en-US" altLang="ko-KR" dirty="0"/>
-              <a:t>JSON</a:t>
-            </a:r>
-            <a:r>
-              <a:rPr lang="ko-KR" altLang="en-US" dirty="0"/>
-              <a:t> 문자열을 파이썬 객체로 변환</a:t>
-            </a:r>
+              <a:t> q=</a:t>
+            </a:r>
+            <a:r>
+              <a:rPr lang="en-US" altLang="ko-KR" dirty="0" err="1"/>
+              <a:t>Seoul&amp;appid</a:t>
+            </a:r>
+            <a:r>
+              <a:rPr lang="en-US" altLang="ko-KR" dirty="0"/>
+              <a:t>=a070fcd8fc2db8d5d1f140466a2012b4</a:t>
+            </a:r>
+            <a:endParaRPr lang="ko-KR" altLang="en-US" dirty="0"/>
+          </a:p>
+          <a:p>
+            <a:endParaRPr lang="ko-KR" altLang="en-US" dirty="0"/>
           </a:p>
         </p:txBody>
       </p:sp>
@@ -1646,7 +1786,7 @@
     </p:spTree>
     <p:extLst>
       <p:ext uri="{BB962C8B-B14F-4D97-AF65-F5344CB8AC3E}">
-        <p14:creationId xmlns:p14="http://schemas.microsoft.com/office/powerpoint/2010/main" val="903375540"/>
+        <p14:creationId xmlns:p14="http://schemas.microsoft.com/office/powerpoint/2010/main" val="2337730891"/>
       </p:ext>
     </p:extLst>
   </p:cSld>
@@ -1701,8 +1841,12 @@
           <a:lstStyle/>
           <a:p>
             <a:r>
+              <a:rPr lang="en-US" altLang="ko-KR" dirty="0"/>
+              <a:t>JSON</a:t>
+            </a:r>
+            <a:r>
               <a:rPr lang="ko-KR" altLang="en-US" dirty="0"/>
-              <a:t>텍스파일 또는 문장열을 파이썬 객체로 내보냄 </a:t>
+              <a:t> 문자열을 파이썬 객체로 변환</a:t>
             </a:r>
           </a:p>
         </p:txBody>
@@ -1739,6 +1883,99 @@
     </p:spTree>
     <p:extLst>
       <p:ext uri="{BB962C8B-B14F-4D97-AF65-F5344CB8AC3E}">
+        <p14:creationId xmlns:p14="http://schemas.microsoft.com/office/powerpoint/2010/main" val="903375540"/>
+      </p:ext>
+    </p:extLst>
+  </p:cSld>
+  <p:clrMapOvr>
+    <a:masterClrMapping/>
+  </p:clrMapOvr>
+</p:notes>
+</file>
+
+<file path=ppt/notesSlides/notesSlide7.xml><?xml version="1.0" encoding="utf-8"?>
+<p:notes xmlns:a="http://schemas.openxmlformats.org/drawingml/2006/main" xmlns:r="http://schemas.openxmlformats.org/officeDocument/2006/relationships" xmlns:p="http://schemas.openxmlformats.org/presentationml/2006/main">
+  <p:cSld>
+    <p:spTree>
+      <p:nvGrpSpPr>
+        <p:cNvPr id="1" name=""/>
+        <p:cNvGrpSpPr/>
+        <p:nvPr/>
+      </p:nvGrpSpPr>
+      <p:grpSpPr>
+        <a:xfrm>
+          <a:off x="0" y="0"/>
+          <a:ext cx="0" cy="0"/>
+          <a:chOff x="0" y="0"/>
+          <a:chExt cx="0" cy="0"/>
+        </a:xfrm>
+      </p:grpSpPr>
+      <p:sp>
+        <p:nvSpPr>
+          <p:cNvPr id="2" name="슬라이드 이미지 개체 틀 1"/>
+          <p:cNvSpPr>
+            <a:spLocks noGrp="1" noRot="1" noChangeAspect="1"/>
+          </p:cNvSpPr>
+          <p:nvPr>
+            <p:ph type="sldImg"/>
+          </p:nvPr>
+        </p:nvSpPr>
+        <p:spPr/>
+      </p:sp>
+      <p:sp>
+        <p:nvSpPr>
+          <p:cNvPr id="3" name="슬라이드 노트 개체 틀 2"/>
+          <p:cNvSpPr>
+            <a:spLocks noGrp="1"/>
+          </p:cNvSpPr>
+          <p:nvPr>
+            <p:ph type="body" idx="1"/>
+          </p:nvPr>
+        </p:nvSpPr>
+        <p:spPr/>
+        <p:txBody>
+          <a:bodyPr/>
+          <a:lstStyle/>
+          <a:p>
+            <a:r>
+              <a:rPr lang="ko-KR" altLang="en-US" dirty="0"/>
+              <a:t>텍스파일 또는 문장열을 파이썬 객체로 내보냄 </a:t>
+            </a:r>
+          </a:p>
+        </p:txBody>
+      </p:sp>
+      <p:sp>
+        <p:nvSpPr>
+          <p:cNvPr id="4" name="슬라이드 번호 개체 틀 3"/>
+          <p:cNvSpPr>
+            <a:spLocks noGrp="1"/>
+          </p:cNvSpPr>
+          <p:nvPr>
+            <p:ph type="sldNum" sz="quarter" idx="5"/>
+          </p:nvPr>
+        </p:nvSpPr>
+        <p:spPr/>
+        <p:txBody>
+          <a:bodyPr/>
+          <a:lstStyle/>
+          <a:p>
+            <a:pPr>
+              <a:defRPr/>
+            </a:pPr>
+            <a:fld id="{3E2263B7-46F1-4FF4-9A5D-4FF0A3275C8E}" type="slidenum">
+              <a:rPr lang="en-US" altLang="ko-KR" smtClean="0"/>
+              <a:pPr>
+                <a:defRPr/>
+              </a:pPr>
+              <a:t>14</a:t>
+            </a:fld>
+            <a:endParaRPr lang="en-US" altLang="ko-KR"/>
+          </a:p>
+        </p:txBody>
+      </p:sp>
+    </p:spTree>
+    <p:extLst>
+      <p:ext uri="{BB962C8B-B14F-4D97-AF65-F5344CB8AC3E}">
         <p14:creationId xmlns:p14="http://schemas.microsoft.com/office/powerpoint/2010/main" val="1990873847"/>
       </p:ext>
     </p:extLst>
@@ -1749,7 +1986,7 @@
 </p:notes>
 </file>
 
-<file path=ppt/notesSlides/notesSlide7.xml><?xml version="1.0" encoding="utf-8"?>
+<file path=ppt/notesSlides/notesSlide8.xml><?xml version="1.0" encoding="utf-8"?>
 <p:notes xmlns:a="http://schemas.openxmlformats.org/drawingml/2006/main" xmlns:r="http://schemas.openxmlformats.org/officeDocument/2006/relationships" xmlns:p="http://schemas.openxmlformats.org/presentationml/2006/main">
   <p:cSld>
     <p:spTree>
@@ -1889,7 +2126,7 @@
             <a:fld id="{D2E1096D-3B26-4365-A11E-C270FA89D808}" type="slidenum">
               <a:rPr lang="en-US" altLang="ko-KR" sz="1200" smtClean="0"/>
               <a:pPr/>
-              <a:t>14</a:t>
+              <a:t>15</a:t>
             </a:fld>
             <a:endParaRPr lang="en-US" altLang="ko-KR" sz="1200"/>
           </a:p>
@@ -7428,6 +7665,57 @@
           </a:p>
         </p:txBody>
       </p:sp>
+      <mc:AlternateContent xmlns:mc="http://schemas.openxmlformats.org/markup-compatibility/2006">
+        <mc:Choice xmlns:p14="http://schemas.microsoft.com/office/powerpoint/2010/main" Requires="p14">
+          <p:contentPart p14:bwMode="auto" r:id="rId3">
+            <p14:nvContentPartPr>
+              <p14:cNvPr id="2" name="잉크 1">
+                <a:extLst>
+                  <a:ext uri="{FF2B5EF4-FFF2-40B4-BE49-F238E27FC236}">
+                    <a16:creationId xmlns:a16="http://schemas.microsoft.com/office/drawing/2014/main" id="{836BF569-275F-4794-81B1-7EF75B4162A7}"/>
+                  </a:ext>
+                </a:extLst>
+              </p14:cNvPr>
+              <p14:cNvContentPartPr/>
+              <p14:nvPr/>
+            </p14:nvContentPartPr>
+            <p14:xfrm>
+              <a:off x="1578600" y="1020600"/>
+              <a:ext cx="5372280" cy="2619360"/>
+            </p14:xfrm>
+          </p:contentPart>
+        </mc:Choice>
+        <mc:Fallback>
+          <p:pic>
+            <p:nvPicPr>
+              <p:cNvPr id="2" name="잉크 1">
+                <a:extLst>
+                  <a:ext uri="{FF2B5EF4-FFF2-40B4-BE49-F238E27FC236}">
+                    <a16:creationId xmlns:a16="http://schemas.microsoft.com/office/drawing/2014/main" id="{836BF569-275F-4794-81B1-7EF75B4162A7}"/>
+                  </a:ext>
+                </a:extLst>
+              </p:cNvPr>
+              <p:cNvPicPr/>
+              <p:nvPr/>
+            </p:nvPicPr>
+            <p:blipFill>
+              <a:blip r:embed="rId4"/>
+              <a:stretch>
+                <a:fillRect/>
+              </a:stretch>
+            </p:blipFill>
+            <p:spPr>
+              <a:xfrm>
+                <a:off x="1569240" y="1011240"/>
+                <a:ext cx="5391000" cy="2638080"/>
+              </a:xfrm>
+              <a:prstGeom prst="rect">
+                <a:avLst/>
+              </a:prstGeom>
+            </p:spPr>
+          </p:pic>
+        </mc:Fallback>
+      </mc:AlternateContent>
     </p:spTree>
   </p:cSld>
   <p:clrMapOvr>
@@ -7437,6 +7725,328 @@
 </file>
 
 <file path=ppt/slides/slide10.xml><?xml version="1.0" encoding="utf-8"?>
+<p:sld xmlns:a="http://schemas.openxmlformats.org/drawingml/2006/main" xmlns:r="http://schemas.openxmlformats.org/officeDocument/2006/relationships" xmlns:p="http://schemas.openxmlformats.org/presentationml/2006/main">
+  <p:cSld>
+    <p:spTree>
+      <p:nvGrpSpPr>
+        <p:cNvPr id="1" name=""/>
+        <p:cNvGrpSpPr/>
+        <p:nvPr/>
+      </p:nvGrpSpPr>
+      <p:grpSpPr>
+        <a:xfrm>
+          <a:off x="0" y="0"/>
+          <a:ext cx="0" cy="0"/>
+          <a:chOff x="0" y="0"/>
+          <a:chExt cx="0" cy="0"/>
+        </a:xfrm>
+      </p:grpSpPr>
+      <p:sp>
+        <p:nvSpPr>
+          <p:cNvPr id="21506" name="제목 1">
+            <a:extLst>
+              <a:ext uri="{FF2B5EF4-FFF2-40B4-BE49-F238E27FC236}">
+                <a16:creationId xmlns:a16="http://schemas.microsoft.com/office/drawing/2014/main" id="{BB612C21-727B-43A3-AC23-8333C5B09B09}"/>
+              </a:ext>
+            </a:extLst>
+          </p:cNvPr>
+          <p:cNvSpPr>
+            <a:spLocks noGrp="1" noChangeArrowheads="1"/>
+          </p:cNvSpPr>
+          <p:nvPr>
+            <p:ph type="title"/>
+          </p:nvPr>
+        </p:nvSpPr>
+        <p:spPr/>
+        <p:txBody>
+          <a:bodyPr/>
+          <a:lstStyle/>
+          <a:p>
+            <a:r>
+              <a:rPr lang="en-US" altLang="ko-KR">
+                <a:ea typeface="굴림" panose="020B0600000101010101" pitchFamily="50" charset="-127"/>
+              </a:rPr>
+              <a:t>JSON – </a:t>
+            </a:r>
+            <a:r>
+              <a:rPr lang="ko-KR" altLang="en-US">
+                <a:ea typeface="굴림" panose="020B0600000101010101" pitchFamily="50" charset="-127"/>
+              </a:rPr>
+              <a:t>자료형과 값</a:t>
+            </a:r>
+          </a:p>
+        </p:txBody>
+      </p:sp>
+      <p:sp>
+        <p:nvSpPr>
+          <p:cNvPr id="21507" name="내용 개체 틀 2">
+            <a:extLst>
+              <a:ext uri="{FF2B5EF4-FFF2-40B4-BE49-F238E27FC236}">
+                <a16:creationId xmlns:a16="http://schemas.microsoft.com/office/drawing/2014/main" id="{8F317E7C-4763-4F2C-AEC6-424C67F316BC}"/>
+              </a:ext>
+            </a:extLst>
+          </p:cNvPr>
+          <p:cNvSpPr>
+            <a:spLocks noGrp="1" noChangeArrowheads="1"/>
+          </p:cNvSpPr>
+          <p:nvPr>
+            <p:ph idx="1"/>
+          </p:nvPr>
+        </p:nvSpPr>
+        <p:spPr/>
+        <p:txBody>
+          <a:bodyPr/>
+          <a:lstStyle/>
+          <a:p>
+            <a:r>
+              <a:rPr lang="en-US" altLang="ko-KR" sz="2000" dirty="0">
+                <a:ea typeface="굴림" panose="020B0600000101010101" pitchFamily="50" charset="-127"/>
+              </a:rPr>
+              <a:t>JSON </a:t>
+            </a:r>
+            <a:r>
+              <a:rPr lang="ko-KR" altLang="en-US" sz="2000" dirty="0">
+                <a:ea typeface="굴림" panose="020B0600000101010101" pitchFamily="50" charset="-127"/>
+              </a:rPr>
+              <a:t>의 자료형과 값</a:t>
+            </a:r>
+            <a:endParaRPr lang="en-US" altLang="ko-KR" sz="2000" dirty="0">
+              <a:ea typeface="굴림" panose="020B0600000101010101" pitchFamily="50" charset="-127"/>
+            </a:endParaRPr>
+          </a:p>
+          <a:p>
+            <a:pPr lvl="1" indent="-342900"/>
+            <a:r>
+              <a:rPr lang="ko-KR" altLang="en-US" sz="1800" dirty="0">
+                <a:ea typeface="굴림" panose="020B0600000101010101" pitchFamily="50" charset="-127"/>
+              </a:rPr>
+              <a:t>문자열 </a:t>
+            </a:r>
+            <a:r>
+              <a:rPr lang="en-US" altLang="ko-KR" sz="1800" dirty="0">
+                <a:ea typeface="굴림" panose="020B0600000101010101" pitchFamily="50" charset="-127"/>
+              </a:rPr>
+              <a:t>(“   “ </a:t>
+            </a:r>
+            <a:r>
+              <a:rPr lang="ko-KR" altLang="en-US" sz="1800" dirty="0">
+                <a:ea typeface="굴림" panose="020B0600000101010101" pitchFamily="50" charset="-127"/>
+              </a:rPr>
+              <a:t>또는 </a:t>
+            </a:r>
+            <a:r>
+              <a:rPr lang="en-US" altLang="ko-KR" sz="1800" dirty="0">
+                <a:ea typeface="굴림" panose="020B0600000101010101" pitchFamily="50" charset="-127"/>
+              </a:rPr>
+              <a:t>‘  ‘</a:t>
+            </a:r>
+            <a:r>
+              <a:rPr lang="ko-KR" altLang="en-US" sz="1800" dirty="0">
+                <a:ea typeface="굴림" panose="020B0600000101010101" pitchFamily="50" charset="-127"/>
+              </a:rPr>
+              <a:t>에</a:t>
+            </a:r>
+            <a:r>
+              <a:rPr lang="en-US" altLang="ko-KR" sz="1800" dirty="0">
+                <a:ea typeface="굴림" panose="020B0600000101010101" pitchFamily="50" charset="-127"/>
+              </a:rPr>
+              <a:t> </a:t>
+            </a:r>
+            <a:r>
+              <a:rPr lang="ko-KR" altLang="en-US" sz="1800" dirty="0">
+                <a:ea typeface="굴림" panose="020B0600000101010101" pitchFamily="50" charset="-127"/>
+              </a:rPr>
+              <a:t>포함됨</a:t>
+            </a:r>
+            <a:r>
+              <a:rPr lang="en-US" altLang="ko-KR" sz="1800" dirty="0">
+                <a:ea typeface="굴림" panose="020B0600000101010101" pitchFamily="50" charset="-127"/>
+              </a:rPr>
+              <a:t>): "John" </a:t>
+            </a:r>
+          </a:p>
+          <a:p>
+            <a:pPr lvl="1" indent="-342900"/>
+            <a:r>
+              <a:rPr lang="ko-KR" altLang="en-US" sz="1800" dirty="0">
+                <a:ea typeface="굴림" panose="020B0600000101010101" pitchFamily="50" charset="-127"/>
+              </a:rPr>
+              <a:t>숫자</a:t>
+            </a:r>
+            <a:r>
+              <a:rPr lang="en-US" altLang="ko-KR" sz="1800" dirty="0">
+                <a:ea typeface="굴림" panose="020B0600000101010101" pitchFamily="50" charset="-127"/>
+              </a:rPr>
+              <a:t>:   30 </a:t>
+            </a:r>
+          </a:p>
+          <a:p>
+            <a:pPr lvl="1" indent="-342900"/>
+            <a:r>
+              <a:rPr lang="ko-KR" altLang="en-US" sz="1800" dirty="0">
+                <a:ea typeface="굴림" panose="020B0600000101010101" pitchFamily="50" charset="-127"/>
+              </a:rPr>
+              <a:t>객체</a:t>
+            </a:r>
+            <a:r>
+              <a:rPr lang="en-US" altLang="ko-KR" sz="1800" dirty="0">
+                <a:ea typeface="굴림" panose="020B0600000101010101" pitchFamily="50" charset="-127"/>
+              </a:rPr>
+              <a:t>(JSON </a:t>
+            </a:r>
+            <a:r>
+              <a:rPr lang="ko-KR" altLang="en-US" sz="1800" dirty="0">
+                <a:ea typeface="굴림" panose="020B0600000101010101" pitchFamily="50" charset="-127"/>
+              </a:rPr>
+              <a:t>객체</a:t>
+            </a:r>
+            <a:r>
+              <a:rPr lang="en-US" altLang="ko-KR" sz="1800" dirty="0">
+                <a:ea typeface="굴림" panose="020B0600000101010101" pitchFamily="50" charset="-127"/>
+              </a:rPr>
+              <a:t>): </a:t>
+            </a:r>
+            <a:br>
+              <a:rPr lang="en-US" altLang="ko-KR" sz="1800" dirty="0">
+                <a:ea typeface="굴림" panose="020B0600000101010101" pitchFamily="50" charset="-127"/>
+              </a:rPr>
+            </a:br>
+            <a:r>
+              <a:rPr lang="en-US" altLang="ko-KR" sz="1800" dirty="0">
+                <a:ea typeface="굴림" panose="020B0600000101010101" pitchFamily="50" charset="-127"/>
+              </a:rPr>
+              <a:t>{ "employee":</a:t>
+            </a:r>
+            <a:br>
+              <a:rPr lang="en-US" altLang="ko-KR" sz="1800" dirty="0">
+                <a:ea typeface="굴림" panose="020B0600000101010101" pitchFamily="50" charset="-127"/>
+              </a:rPr>
+            </a:br>
+            <a:r>
+              <a:rPr lang="en-US" altLang="ko-KR" sz="1800" dirty="0">
+                <a:ea typeface="굴림" panose="020B0600000101010101" pitchFamily="50" charset="-127"/>
+              </a:rPr>
+              <a:t>     {"</a:t>
+            </a:r>
+            <a:r>
+              <a:rPr lang="en-US" altLang="ko-KR" sz="1800" dirty="0" err="1">
+                <a:ea typeface="굴림" panose="020B0600000101010101" pitchFamily="50" charset="-127"/>
+              </a:rPr>
+              <a:t>name":"John</a:t>
+            </a:r>
+            <a:r>
+              <a:rPr lang="en-US" altLang="ko-KR" sz="1800" dirty="0">
+                <a:ea typeface="굴림" panose="020B0600000101010101" pitchFamily="50" charset="-127"/>
+              </a:rPr>
+              <a:t>", "age":30, "</a:t>
+            </a:r>
+            <a:r>
+              <a:rPr lang="en-US" altLang="ko-KR" sz="1800" dirty="0" err="1">
+                <a:ea typeface="굴림" panose="020B0600000101010101" pitchFamily="50" charset="-127"/>
+              </a:rPr>
+              <a:t>city":"New</a:t>
+            </a:r>
+            <a:r>
+              <a:rPr lang="en-US" altLang="ko-KR" sz="1800" dirty="0">
+                <a:ea typeface="굴림" panose="020B0600000101010101" pitchFamily="50" charset="-127"/>
+              </a:rPr>
+              <a:t> York" }</a:t>
+            </a:r>
+            <a:br>
+              <a:rPr lang="en-US" altLang="ko-KR" sz="1800" dirty="0">
+                <a:ea typeface="굴림" panose="020B0600000101010101" pitchFamily="50" charset="-127"/>
+              </a:rPr>
+            </a:br>
+            <a:r>
+              <a:rPr lang="en-US" altLang="ko-KR" sz="1800" dirty="0">
+                <a:ea typeface="굴림" panose="020B0600000101010101" pitchFamily="50" charset="-127"/>
+              </a:rPr>
+              <a:t> }</a:t>
+            </a:r>
+          </a:p>
+          <a:p>
+            <a:pPr lvl="1" indent="-342900"/>
+            <a:r>
+              <a:rPr lang="ko-KR" altLang="en-US" sz="1800" dirty="0">
+                <a:ea typeface="굴림" panose="020B0600000101010101" pitchFamily="50" charset="-127"/>
+              </a:rPr>
+              <a:t>배열</a:t>
+            </a:r>
+            <a:r>
+              <a:rPr lang="en-US" altLang="ko-KR" sz="1800" dirty="0">
+                <a:ea typeface="굴림" panose="020B0600000101010101" pitchFamily="50" charset="-127"/>
+              </a:rPr>
+              <a:t>:  [  " John ",  " Anna ",  " Peter "  ] </a:t>
+            </a:r>
+          </a:p>
+          <a:p>
+            <a:pPr lvl="1" indent="-342900"/>
+            <a:r>
+              <a:rPr lang="ko-KR" altLang="en-US" sz="1800" dirty="0" err="1">
+                <a:ea typeface="굴림" panose="020B0600000101010101" pitchFamily="50" charset="-127"/>
+              </a:rPr>
+              <a:t>불리언</a:t>
+            </a:r>
+            <a:r>
+              <a:rPr lang="en-US" altLang="ko-KR" sz="1800" dirty="0">
+                <a:ea typeface="굴림" panose="020B0600000101010101" pitchFamily="50" charset="-127"/>
+              </a:rPr>
+              <a:t>: true</a:t>
+            </a:r>
+          </a:p>
+          <a:p>
+            <a:pPr lvl="1" indent="-342900"/>
+            <a:r>
+              <a:rPr lang="ko-KR" altLang="en-US" sz="1800" dirty="0">
+                <a:ea typeface="굴림" panose="020B0600000101010101" pitchFamily="50" charset="-127"/>
+              </a:rPr>
+              <a:t>널</a:t>
+            </a:r>
+            <a:r>
+              <a:rPr lang="en-US" altLang="ko-KR" sz="1800" dirty="0">
+                <a:ea typeface="굴림" panose="020B0600000101010101" pitchFamily="50" charset="-127"/>
+              </a:rPr>
+              <a:t>:   null</a:t>
+            </a:r>
+          </a:p>
+          <a:p>
+            <a:pPr lvl="1" indent="-342900">
+              <a:buFont typeface="Wingdings" panose="05000000000000000000" pitchFamily="2" charset="2"/>
+              <a:buNone/>
+            </a:pPr>
+            <a:endParaRPr lang="en-US" altLang="ko-KR" sz="1800" dirty="0">
+              <a:ea typeface="굴림" panose="020B0600000101010101" pitchFamily="50" charset="-127"/>
+            </a:endParaRPr>
+          </a:p>
+          <a:p>
+            <a:r>
+              <a:rPr lang="en-US" altLang="ko-KR" sz="2200" dirty="0">
+                <a:ea typeface="굴림" panose="020B0600000101010101" pitchFamily="50" charset="-127"/>
+              </a:rPr>
+              <a:t>JSON file: .json</a:t>
+            </a:r>
+          </a:p>
+          <a:p>
+            <a:endParaRPr lang="en-US" altLang="ko-KR" sz="2200" dirty="0">
+              <a:ea typeface="굴림" panose="020B0600000101010101" pitchFamily="50" charset="-127"/>
+            </a:endParaRPr>
+          </a:p>
+          <a:p>
+            <a:endParaRPr lang="ko-KR" altLang="en-US" sz="2000" dirty="0">
+              <a:ea typeface="굴림" panose="020B0600000101010101" pitchFamily="50" charset="-127"/>
+            </a:endParaRPr>
+          </a:p>
+        </p:txBody>
+      </p:sp>
+    </p:spTree>
+  </p:cSld>
+  <p:clrMapOvr>
+    <a:masterClrMapping/>
+  </p:clrMapOvr>
+</p:sld>
+</file>
+
+<file path=ppt/slides/slide11.xml><?xml version="1.0" encoding="utf-8"?>
 <p:sld xmlns:a="http://schemas.openxmlformats.org/drawingml/2006/main" xmlns:r="http://schemas.openxmlformats.org/officeDocument/2006/relationships" xmlns:p="http://schemas.openxmlformats.org/presentationml/2006/main">
   <p:cSld>
     <p:spTree>
@@ -7564,7 +8174,7 @@
 </p:sld>
 </file>
 
-<file path=ppt/slides/slide11.xml><?xml version="1.0" encoding="utf-8"?>
+<file path=ppt/slides/slide12.xml><?xml version="1.0" encoding="utf-8"?>
 <p:sld xmlns:a="http://schemas.openxmlformats.org/drawingml/2006/main" xmlns:r="http://schemas.openxmlformats.org/officeDocument/2006/relationships" xmlns:p="http://schemas.openxmlformats.org/presentationml/2006/main">
   <p:cSld>
     <p:spTree>
@@ -7826,7 +8436,7 @@
 </p:sld>
 </file>
 
-<file path=ppt/slides/slide12.xml><?xml version="1.0" encoding="utf-8"?>
+<file path=ppt/slides/slide13.xml><?xml version="1.0" encoding="utf-8"?>
 <p:sld xmlns:a="http://schemas.openxmlformats.org/drawingml/2006/main" xmlns:r="http://schemas.openxmlformats.org/officeDocument/2006/relationships" xmlns:p="http://schemas.openxmlformats.org/presentationml/2006/main">
   <p:cSld>
     <p:spTree>
@@ -8204,7 +8814,7 @@
 </p:sld>
 </file>
 
-<file path=ppt/slides/slide13.xml><?xml version="1.0" encoding="utf-8"?>
+<file path=ppt/slides/slide14.xml><?xml version="1.0" encoding="utf-8"?>
 <p:sld xmlns:a="http://schemas.openxmlformats.org/drawingml/2006/main" xmlns:r="http://schemas.openxmlformats.org/officeDocument/2006/relationships" xmlns:p="http://schemas.openxmlformats.org/presentationml/2006/main">
   <p:cSld>
     <p:spTree>
@@ -8429,7 +9039,7 @@
 </p:sld>
 </file>
 
-<file path=ppt/slides/slide14.xml><?xml version="1.0" encoding="utf-8"?>
+<file path=ppt/slides/slide15.xml><?xml version="1.0" encoding="utf-8"?>
 <p:sld xmlns:a="http://schemas.openxmlformats.org/drawingml/2006/main" xmlns:r="http://schemas.openxmlformats.org/officeDocument/2006/relationships" xmlns:p="http://schemas.openxmlformats.org/presentationml/2006/main">
   <p:cSld>
     <p:spTree>
@@ -8603,6 +9213,86 @@
           </a:p>
         </p:txBody>
       </p:sp>
+      <p:pic>
+        <p:nvPicPr>
+          <p:cNvPr id="3" name="그림 2">
+            <a:extLst>
+              <a:ext uri="{FF2B5EF4-FFF2-40B4-BE49-F238E27FC236}">
+                <a16:creationId xmlns:a16="http://schemas.microsoft.com/office/drawing/2014/main" id="{779C50F7-F067-4AD8-BDAB-D66A5D573683}"/>
+              </a:ext>
+            </a:extLst>
+          </p:cNvPr>
+          <p:cNvPicPr>
+            <a:picLocks noChangeAspect="1"/>
+          </p:cNvPicPr>
+          <p:nvPr/>
+        </p:nvPicPr>
+        <p:blipFill rotWithShape="1">
+          <a:blip r:embed="rId3"/>
+          <a:srcRect t="23492" b="5975"/>
+          <a:stretch/>
+        </p:blipFill>
+        <p:spPr>
+          <a:xfrm>
+            <a:off x="2191544" y="2895600"/>
+            <a:ext cx="4953000" cy="3868284"/>
+          </a:xfrm>
+          <a:prstGeom prst="rect">
+            <a:avLst/>
+          </a:prstGeom>
+        </p:spPr>
+      </p:pic>
+      <mc:AlternateContent xmlns:mc="http://schemas.openxmlformats.org/markup-compatibility/2006">
+        <mc:Choice xmlns:p14="http://schemas.microsoft.com/office/powerpoint/2010/main" Requires="p14">
+          <p:contentPart p14:bwMode="auto" r:id="rId4">
+            <p14:nvContentPartPr>
+              <p14:cNvPr id="2" name="잉크 1">
+                <a:extLst>
+                  <a:ext uri="{FF2B5EF4-FFF2-40B4-BE49-F238E27FC236}">
+                    <a16:creationId xmlns:a16="http://schemas.microsoft.com/office/drawing/2014/main" id="{9434593D-BDFC-47A0-88A2-23A64B76910D}"/>
+                  </a:ext>
+                </a:extLst>
+              </p14:cNvPr>
+              <p14:cNvContentPartPr/>
+              <p14:nvPr/>
+            </p14:nvContentPartPr>
+            <p14:xfrm>
+              <a:off x="846000" y="1061640"/>
+              <a:ext cx="7014960" cy="4460040"/>
+            </p14:xfrm>
+          </p:contentPart>
+        </mc:Choice>
+        <mc:Fallback>
+          <p:pic>
+            <p:nvPicPr>
+              <p:cNvPr id="2" name="잉크 1">
+                <a:extLst>
+                  <a:ext uri="{FF2B5EF4-FFF2-40B4-BE49-F238E27FC236}">
+                    <a16:creationId xmlns:a16="http://schemas.microsoft.com/office/drawing/2014/main" id="{9434593D-BDFC-47A0-88A2-23A64B76910D}"/>
+                  </a:ext>
+                </a:extLst>
+              </p:cNvPr>
+              <p:cNvPicPr/>
+              <p:nvPr/>
+            </p:nvPicPr>
+            <p:blipFill>
+              <a:blip r:embed="rId5"/>
+              <a:stretch>
+                <a:fillRect/>
+              </a:stretch>
+            </p:blipFill>
+            <p:spPr>
+              <a:xfrm>
+                <a:off x="836640" y="1052280"/>
+                <a:ext cx="7033680" cy="4478760"/>
+              </a:xfrm>
+              <a:prstGeom prst="rect">
+                <a:avLst/>
+              </a:prstGeom>
+            </p:spPr>
+          </p:pic>
+        </mc:Fallback>
+      </mc:AlternateContent>
     </p:spTree>
   </p:cSld>
   <p:clrMapOvr>
@@ -8612,6 +9302,167 @@
 </file>
 
 <file path=ppt/slides/slide3.xml><?xml version="1.0" encoding="utf-8"?>
+<p:sld xmlns:a="http://schemas.openxmlformats.org/drawingml/2006/main" xmlns:r="http://schemas.openxmlformats.org/officeDocument/2006/relationships" xmlns:p="http://schemas.openxmlformats.org/presentationml/2006/main">
+  <p:cSld>
+    <p:spTree>
+      <p:nvGrpSpPr>
+        <p:cNvPr id="1" name=""/>
+        <p:cNvGrpSpPr/>
+        <p:nvPr/>
+      </p:nvGrpSpPr>
+      <p:grpSpPr>
+        <a:xfrm>
+          <a:off x="0" y="0"/>
+          <a:ext cx="0" cy="0"/>
+          <a:chOff x="0" y="0"/>
+          <a:chExt cx="0" cy="0"/>
+        </a:xfrm>
+      </p:grpSpPr>
+      <p:sp>
+        <p:nvSpPr>
+          <p:cNvPr id="2" name="제목 1">
+            <a:extLst>
+              <a:ext uri="{FF2B5EF4-FFF2-40B4-BE49-F238E27FC236}">
+                <a16:creationId xmlns:a16="http://schemas.microsoft.com/office/drawing/2014/main" id="{E0CE0FBE-EFB4-497B-A719-65E1435CE7A8}"/>
+              </a:ext>
+            </a:extLst>
+          </p:cNvPr>
+          <p:cNvSpPr>
+            <a:spLocks noGrp="1"/>
+          </p:cNvSpPr>
+          <p:nvPr>
+            <p:ph type="title"/>
+          </p:nvPr>
+        </p:nvSpPr>
+        <p:spPr/>
+        <p:txBody>
+          <a:bodyPr/>
+          <a:lstStyle/>
+          <a:p>
+            <a:endParaRPr lang="ko-KR" altLang="en-US"/>
+          </a:p>
+        </p:txBody>
+      </p:sp>
+      <p:sp>
+        <p:nvSpPr>
+          <p:cNvPr id="3" name="내용 개체 틀 2">
+            <a:extLst>
+              <a:ext uri="{FF2B5EF4-FFF2-40B4-BE49-F238E27FC236}">
+                <a16:creationId xmlns:a16="http://schemas.microsoft.com/office/drawing/2014/main" id="{D342ADDD-5F0B-4F41-B680-207EE71234A0}"/>
+              </a:ext>
+            </a:extLst>
+          </p:cNvPr>
+          <p:cNvSpPr>
+            <a:spLocks noGrp="1"/>
+          </p:cNvSpPr>
+          <p:nvPr>
+            <p:ph idx="1"/>
+          </p:nvPr>
+        </p:nvSpPr>
+        <p:spPr/>
+        <p:txBody>
+          <a:bodyPr/>
+          <a:lstStyle/>
+          <a:p>
+            <a:endParaRPr lang="ko-KR" altLang="en-US"/>
+          </a:p>
+        </p:txBody>
+      </p:sp>
+      <p:pic>
+        <p:nvPicPr>
+          <p:cNvPr id="5" name="그림 4">
+            <a:extLst>
+              <a:ext uri="{FF2B5EF4-FFF2-40B4-BE49-F238E27FC236}">
+                <a16:creationId xmlns:a16="http://schemas.microsoft.com/office/drawing/2014/main" id="{096BA260-86C7-4D67-B582-A01DB8716495}"/>
+              </a:ext>
+            </a:extLst>
+          </p:cNvPr>
+          <p:cNvPicPr>
+            <a:picLocks noChangeAspect="1"/>
+          </p:cNvPicPr>
+          <p:nvPr/>
+        </p:nvPicPr>
+        <p:blipFill>
+          <a:blip r:embed="rId2"/>
+          <a:stretch>
+            <a:fillRect/>
+          </a:stretch>
+        </p:blipFill>
+        <p:spPr>
+          <a:xfrm>
+            <a:off x="171450" y="365125"/>
+            <a:ext cx="11849100" cy="7515225"/>
+          </a:xfrm>
+          <a:prstGeom prst="rect">
+            <a:avLst/>
+          </a:prstGeom>
+        </p:spPr>
+      </p:pic>
+      <mc:AlternateContent xmlns:mc="http://schemas.openxmlformats.org/markup-compatibility/2006">
+        <mc:Choice xmlns:p14="http://schemas.microsoft.com/office/powerpoint/2010/main" Requires="p14">
+          <p:contentPart p14:bwMode="auto" r:id="rId3">
+            <p14:nvContentPartPr>
+              <p14:cNvPr id="4" name="잉크 3">
+                <a:extLst>
+                  <a:ext uri="{FF2B5EF4-FFF2-40B4-BE49-F238E27FC236}">
+                    <a16:creationId xmlns:a16="http://schemas.microsoft.com/office/drawing/2014/main" id="{E01924BD-0621-438C-BDB5-4A569A057925}"/>
+                  </a:ext>
+                </a:extLst>
+              </p14:cNvPr>
+              <p14:cNvContentPartPr/>
+              <p14:nvPr/>
+            </p14:nvContentPartPr>
+            <p14:xfrm>
+              <a:off x="205560" y="78840"/>
+              <a:ext cx="4880160" cy="4964760"/>
+            </p14:xfrm>
+          </p:contentPart>
+        </mc:Choice>
+        <mc:Fallback>
+          <p:pic>
+            <p:nvPicPr>
+              <p:cNvPr id="4" name="잉크 3">
+                <a:extLst>
+                  <a:ext uri="{FF2B5EF4-FFF2-40B4-BE49-F238E27FC236}">
+                    <a16:creationId xmlns:a16="http://schemas.microsoft.com/office/drawing/2014/main" id="{E01924BD-0621-438C-BDB5-4A569A057925}"/>
+                  </a:ext>
+                </a:extLst>
+              </p:cNvPr>
+              <p:cNvPicPr/>
+              <p:nvPr/>
+            </p:nvPicPr>
+            <p:blipFill>
+              <a:blip r:embed="rId4"/>
+              <a:stretch>
+                <a:fillRect/>
+              </a:stretch>
+            </p:blipFill>
+            <p:spPr>
+              <a:xfrm>
+                <a:off x="196200" y="69480"/>
+                <a:ext cx="4898880" cy="4983480"/>
+              </a:xfrm>
+              <a:prstGeom prst="rect">
+                <a:avLst/>
+              </a:prstGeom>
+            </p:spPr>
+          </p:pic>
+        </mc:Fallback>
+      </mc:AlternateContent>
+    </p:spTree>
+    <p:extLst>
+      <p:ext uri="{BB962C8B-B14F-4D97-AF65-F5344CB8AC3E}">
+        <p14:creationId xmlns:p14="http://schemas.microsoft.com/office/powerpoint/2010/main" val="282690757"/>
+      </p:ext>
+    </p:extLst>
+  </p:cSld>
+  <p:clrMapOvr>
+    <a:masterClrMapping/>
+  </p:clrMapOvr>
+</p:sld>
+</file>
+
+<file path=ppt/slides/slide4.xml><?xml version="1.0" encoding="utf-8"?>
 <p:sld xmlns:a="http://schemas.openxmlformats.org/drawingml/2006/main" xmlns:r="http://schemas.openxmlformats.org/officeDocument/2006/relationships" xmlns:p="http://schemas.openxmlformats.org/presentationml/2006/main">
   <p:cSld>
     <p:spTree>
@@ -9041,7 +9892,7 @@
 </p:sld>
 </file>
 
-<file path=ppt/slides/slide4.xml><?xml version="1.0" encoding="utf-8"?>
+<file path=ppt/slides/slide5.xml><?xml version="1.0" encoding="utf-8"?>
 <p:sld xmlns:a="http://schemas.openxmlformats.org/drawingml/2006/main" xmlns:r="http://schemas.openxmlformats.org/officeDocument/2006/relationships" xmlns:p="http://schemas.openxmlformats.org/presentationml/2006/main">
   <p:cSld>
     <p:spTree>
@@ -9204,7 +10055,7 @@
 </p:sld>
 </file>
 
-<file path=ppt/slides/slide5.xml><?xml version="1.0" encoding="utf-8"?>
+<file path=ppt/slides/slide6.xml><?xml version="1.0" encoding="utf-8"?>
 <p:sld xmlns:a="http://schemas.openxmlformats.org/drawingml/2006/main" xmlns:r="http://schemas.openxmlformats.org/officeDocument/2006/relationships" xmlns:p="http://schemas.openxmlformats.org/presentationml/2006/main">
   <p:cSld>
     <p:spTree>
@@ -10004,7 +10855,7 @@
 </p:sld>
 </file>
 
-<file path=ppt/slides/slide6.xml><?xml version="1.0" encoding="utf-8"?>
+<file path=ppt/slides/slide7.xml><?xml version="1.0" encoding="utf-8"?>
 <p:sld xmlns:a="http://schemas.openxmlformats.org/drawingml/2006/main" xmlns:r="http://schemas.openxmlformats.org/officeDocument/2006/relationships" xmlns:p="http://schemas.openxmlformats.org/presentationml/2006/main">
   <p:cSld>
     <p:spTree>
@@ -10222,7 +11073,7 @@
 </p:sld>
 </file>
 
-<file path=ppt/slides/slide7.xml><?xml version="1.0" encoding="utf-8"?>
+<file path=ppt/slides/slide8.xml><?xml version="1.0" encoding="utf-8"?>
 <p:sld xmlns:a="http://schemas.openxmlformats.org/drawingml/2006/main" xmlns:r="http://schemas.openxmlformats.org/officeDocument/2006/relationships" xmlns:p="http://schemas.openxmlformats.org/presentationml/2006/main">
   <p:cSld>
     <p:spTree>
@@ -10732,7 +11583,7 @@
 </p:sld>
 </file>
 
-<file path=ppt/slides/slide8.xml><?xml version="1.0" encoding="utf-8"?>
+<file path=ppt/slides/slide9.xml><?xml version="1.0" encoding="utf-8"?>
 <p:sld xmlns:a="http://schemas.openxmlformats.org/drawingml/2006/main" xmlns:r="http://schemas.openxmlformats.org/officeDocument/2006/relationships" xmlns:p="http://schemas.openxmlformats.org/presentationml/2006/main">
   <p:cSld>
     <p:spTree>
@@ -12964,328 +13815,6 @@
     <a:masterClrMapping/>
   </p:clrMapOvr>
   <p:transition spd="med"/>
-</p:sld>
-</file>
-
-<file path=ppt/slides/slide9.xml><?xml version="1.0" encoding="utf-8"?>
-<p:sld xmlns:a="http://schemas.openxmlformats.org/drawingml/2006/main" xmlns:r="http://schemas.openxmlformats.org/officeDocument/2006/relationships" xmlns:p="http://schemas.openxmlformats.org/presentationml/2006/main">
-  <p:cSld>
-    <p:spTree>
-      <p:nvGrpSpPr>
-        <p:cNvPr id="1" name=""/>
-        <p:cNvGrpSpPr/>
-        <p:nvPr/>
-      </p:nvGrpSpPr>
-      <p:grpSpPr>
-        <a:xfrm>
-          <a:off x="0" y="0"/>
-          <a:ext cx="0" cy="0"/>
-          <a:chOff x="0" y="0"/>
-          <a:chExt cx="0" cy="0"/>
-        </a:xfrm>
-      </p:grpSpPr>
-      <p:sp>
-        <p:nvSpPr>
-          <p:cNvPr id="21506" name="제목 1">
-            <a:extLst>
-              <a:ext uri="{FF2B5EF4-FFF2-40B4-BE49-F238E27FC236}">
-                <a16:creationId xmlns:a16="http://schemas.microsoft.com/office/drawing/2014/main" id="{BB612C21-727B-43A3-AC23-8333C5B09B09}"/>
-              </a:ext>
-            </a:extLst>
-          </p:cNvPr>
-          <p:cNvSpPr>
-            <a:spLocks noGrp="1" noChangeArrowheads="1"/>
-          </p:cNvSpPr>
-          <p:nvPr>
-            <p:ph type="title"/>
-          </p:nvPr>
-        </p:nvSpPr>
-        <p:spPr/>
-        <p:txBody>
-          <a:bodyPr/>
-          <a:lstStyle/>
-          <a:p>
-            <a:r>
-              <a:rPr lang="en-US" altLang="ko-KR">
-                <a:ea typeface="굴림" panose="020B0600000101010101" pitchFamily="50" charset="-127"/>
-              </a:rPr>
-              <a:t>JSON – </a:t>
-            </a:r>
-            <a:r>
-              <a:rPr lang="ko-KR" altLang="en-US">
-                <a:ea typeface="굴림" panose="020B0600000101010101" pitchFamily="50" charset="-127"/>
-              </a:rPr>
-              <a:t>자료형과 값</a:t>
-            </a:r>
-          </a:p>
-        </p:txBody>
-      </p:sp>
-      <p:sp>
-        <p:nvSpPr>
-          <p:cNvPr id="21507" name="내용 개체 틀 2">
-            <a:extLst>
-              <a:ext uri="{FF2B5EF4-FFF2-40B4-BE49-F238E27FC236}">
-                <a16:creationId xmlns:a16="http://schemas.microsoft.com/office/drawing/2014/main" id="{8F317E7C-4763-4F2C-AEC6-424C67F316BC}"/>
-              </a:ext>
-            </a:extLst>
-          </p:cNvPr>
-          <p:cNvSpPr>
-            <a:spLocks noGrp="1" noChangeArrowheads="1"/>
-          </p:cNvSpPr>
-          <p:nvPr>
-            <p:ph idx="1"/>
-          </p:nvPr>
-        </p:nvSpPr>
-        <p:spPr/>
-        <p:txBody>
-          <a:bodyPr/>
-          <a:lstStyle/>
-          <a:p>
-            <a:r>
-              <a:rPr lang="en-US" altLang="ko-KR" sz="2000" dirty="0">
-                <a:ea typeface="굴림" panose="020B0600000101010101" pitchFamily="50" charset="-127"/>
-              </a:rPr>
-              <a:t>JSON </a:t>
-            </a:r>
-            <a:r>
-              <a:rPr lang="ko-KR" altLang="en-US" sz="2000" dirty="0">
-                <a:ea typeface="굴림" panose="020B0600000101010101" pitchFamily="50" charset="-127"/>
-              </a:rPr>
-              <a:t>의 자료형과 값</a:t>
-            </a:r>
-            <a:endParaRPr lang="en-US" altLang="ko-KR" sz="2000" dirty="0">
-              <a:ea typeface="굴림" panose="020B0600000101010101" pitchFamily="50" charset="-127"/>
-            </a:endParaRPr>
-          </a:p>
-          <a:p>
-            <a:pPr lvl="1" indent="-342900"/>
-            <a:r>
-              <a:rPr lang="ko-KR" altLang="en-US" sz="1800" dirty="0">
-                <a:ea typeface="굴림" panose="020B0600000101010101" pitchFamily="50" charset="-127"/>
-              </a:rPr>
-              <a:t>문자열 </a:t>
-            </a:r>
-            <a:r>
-              <a:rPr lang="en-US" altLang="ko-KR" sz="1800" dirty="0">
-                <a:ea typeface="굴림" panose="020B0600000101010101" pitchFamily="50" charset="-127"/>
-              </a:rPr>
-              <a:t>(“   “ </a:t>
-            </a:r>
-            <a:r>
-              <a:rPr lang="ko-KR" altLang="en-US" sz="1800" dirty="0">
-                <a:ea typeface="굴림" panose="020B0600000101010101" pitchFamily="50" charset="-127"/>
-              </a:rPr>
-              <a:t>또는 </a:t>
-            </a:r>
-            <a:r>
-              <a:rPr lang="en-US" altLang="ko-KR" sz="1800" dirty="0">
-                <a:ea typeface="굴림" panose="020B0600000101010101" pitchFamily="50" charset="-127"/>
-              </a:rPr>
-              <a:t>‘  ‘</a:t>
-            </a:r>
-            <a:r>
-              <a:rPr lang="ko-KR" altLang="en-US" sz="1800" dirty="0">
-                <a:ea typeface="굴림" panose="020B0600000101010101" pitchFamily="50" charset="-127"/>
-              </a:rPr>
-              <a:t>에</a:t>
-            </a:r>
-            <a:r>
-              <a:rPr lang="en-US" altLang="ko-KR" sz="1800" dirty="0">
-                <a:ea typeface="굴림" panose="020B0600000101010101" pitchFamily="50" charset="-127"/>
-              </a:rPr>
-              <a:t> </a:t>
-            </a:r>
-            <a:r>
-              <a:rPr lang="ko-KR" altLang="en-US" sz="1800" dirty="0">
-                <a:ea typeface="굴림" panose="020B0600000101010101" pitchFamily="50" charset="-127"/>
-              </a:rPr>
-              <a:t>포함됨</a:t>
-            </a:r>
-            <a:r>
-              <a:rPr lang="en-US" altLang="ko-KR" sz="1800" dirty="0">
-                <a:ea typeface="굴림" panose="020B0600000101010101" pitchFamily="50" charset="-127"/>
-              </a:rPr>
-              <a:t>): "John" </a:t>
-            </a:r>
-          </a:p>
-          <a:p>
-            <a:pPr lvl="1" indent="-342900"/>
-            <a:r>
-              <a:rPr lang="ko-KR" altLang="en-US" sz="1800" dirty="0">
-                <a:ea typeface="굴림" panose="020B0600000101010101" pitchFamily="50" charset="-127"/>
-              </a:rPr>
-              <a:t>숫자</a:t>
-            </a:r>
-            <a:r>
-              <a:rPr lang="en-US" altLang="ko-KR" sz="1800" dirty="0">
-                <a:ea typeface="굴림" panose="020B0600000101010101" pitchFamily="50" charset="-127"/>
-              </a:rPr>
-              <a:t>:   30 </a:t>
-            </a:r>
-          </a:p>
-          <a:p>
-            <a:pPr lvl="1" indent="-342900"/>
-            <a:r>
-              <a:rPr lang="ko-KR" altLang="en-US" sz="1800" dirty="0">
-                <a:ea typeface="굴림" panose="020B0600000101010101" pitchFamily="50" charset="-127"/>
-              </a:rPr>
-              <a:t>객체</a:t>
-            </a:r>
-            <a:r>
-              <a:rPr lang="en-US" altLang="ko-KR" sz="1800" dirty="0">
-                <a:ea typeface="굴림" panose="020B0600000101010101" pitchFamily="50" charset="-127"/>
-              </a:rPr>
-              <a:t>(JSON </a:t>
-            </a:r>
-            <a:r>
-              <a:rPr lang="ko-KR" altLang="en-US" sz="1800" dirty="0">
-                <a:ea typeface="굴림" panose="020B0600000101010101" pitchFamily="50" charset="-127"/>
-              </a:rPr>
-              <a:t>객체</a:t>
-            </a:r>
-            <a:r>
-              <a:rPr lang="en-US" altLang="ko-KR" sz="1800" dirty="0">
-                <a:ea typeface="굴림" panose="020B0600000101010101" pitchFamily="50" charset="-127"/>
-              </a:rPr>
-              <a:t>): </a:t>
-            </a:r>
-            <a:br>
-              <a:rPr lang="en-US" altLang="ko-KR" sz="1800" dirty="0">
-                <a:ea typeface="굴림" panose="020B0600000101010101" pitchFamily="50" charset="-127"/>
-              </a:rPr>
-            </a:br>
-            <a:r>
-              <a:rPr lang="en-US" altLang="ko-KR" sz="1800" dirty="0">
-                <a:ea typeface="굴림" panose="020B0600000101010101" pitchFamily="50" charset="-127"/>
-              </a:rPr>
-              <a:t>{ "employee":</a:t>
-            </a:r>
-            <a:br>
-              <a:rPr lang="en-US" altLang="ko-KR" sz="1800" dirty="0">
-                <a:ea typeface="굴림" panose="020B0600000101010101" pitchFamily="50" charset="-127"/>
-              </a:rPr>
-            </a:br>
-            <a:r>
-              <a:rPr lang="en-US" altLang="ko-KR" sz="1800" dirty="0">
-                <a:ea typeface="굴림" panose="020B0600000101010101" pitchFamily="50" charset="-127"/>
-              </a:rPr>
-              <a:t>     {"</a:t>
-            </a:r>
-            <a:r>
-              <a:rPr lang="en-US" altLang="ko-KR" sz="1800" dirty="0" err="1">
-                <a:ea typeface="굴림" panose="020B0600000101010101" pitchFamily="50" charset="-127"/>
-              </a:rPr>
-              <a:t>name":"John</a:t>
-            </a:r>
-            <a:r>
-              <a:rPr lang="en-US" altLang="ko-KR" sz="1800" dirty="0">
-                <a:ea typeface="굴림" panose="020B0600000101010101" pitchFamily="50" charset="-127"/>
-              </a:rPr>
-              <a:t>", "age":30, "</a:t>
-            </a:r>
-            <a:r>
-              <a:rPr lang="en-US" altLang="ko-KR" sz="1800" dirty="0" err="1">
-                <a:ea typeface="굴림" panose="020B0600000101010101" pitchFamily="50" charset="-127"/>
-              </a:rPr>
-              <a:t>city":"New</a:t>
-            </a:r>
-            <a:r>
-              <a:rPr lang="en-US" altLang="ko-KR" sz="1800" dirty="0">
-                <a:ea typeface="굴림" panose="020B0600000101010101" pitchFamily="50" charset="-127"/>
-              </a:rPr>
-              <a:t> York" }</a:t>
-            </a:r>
-            <a:br>
-              <a:rPr lang="en-US" altLang="ko-KR" sz="1800" dirty="0">
-                <a:ea typeface="굴림" panose="020B0600000101010101" pitchFamily="50" charset="-127"/>
-              </a:rPr>
-            </a:br>
-            <a:r>
-              <a:rPr lang="en-US" altLang="ko-KR" sz="1800" dirty="0">
-                <a:ea typeface="굴림" panose="020B0600000101010101" pitchFamily="50" charset="-127"/>
-              </a:rPr>
-              <a:t> }</a:t>
-            </a:r>
-          </a:p>
-          <a:p>
-            <a:pPr lvl="1" indent="-342900"/>
-            <a:r>
-              <a:rPr lang="ko-KR" altLang="en-US" sz="1800" dirty="0">
-                <a:ea typeface="굴림" panose="020B0600000101010101" pitchFamily="50" charset="-127"/>
-              </a:rPr>
-              <a:t>배열</a:t>
-            </a:r>
-            <a:r>
-              <a:rPr lang="en-US" altLang="ko-KR" sz="1800" dirty="0">
-                <a:ea typeface="굴림" panose="020B0600000101010101" pitchFamily="50" charset="-127"/>
-              </a:rPr>
-              <a:t>:  [  " John ",  " Anna ",  " Peter "  ] </a:t>
-            </a:r>
-          </a:p>
-          <a:p>
-            <a:pPr lvl="1" indent="-342900"/>
-            <a:r>
-              <a:rPr lang="ko-KR" altLang="en-US" sz="1800" dirty="0" err="1">
-                <a:ea typeface="굴림" panose="020B0600000101010101" pitchFamily="50" charset="-127"/>
-              </a:rPr>
-              <a:t>불리언</a:t>
-            </a:r>
-            <a:r>
-              <a:rPr lang="en-US" altLang="ko-KR" sz="1800" dirty="0">
-                <a:ea typeface="굴림" panose="020B0600000101010101" pitchFamily="50" charset="-127"/>
-              </a:rPr>
-              <a:t>: true</a:t>
-            </a:r>
-          </a:p>
-          <a:p>
-            <a:pPr lvl="1" indent="-342900"/>
-            <a:r>
-              <a:rPr lang="ko-KR" altLang="en-US" sz="1800" dirty="0">
-                <a:ea typeface="굴림" panose="020B0600000101010101" pitchFamily="50" charset="-127"/>
-              </a:rPr>
-              <a:t>널</a:t>
-            </a:r>
-            <a:r>
-              <a:rPr lang="en-US" altLang="ko-KR" sz="1800" dirty="0">
-                <a:ea typeface="굴림" panose="020B0600000101010101" pitchFamily="50" charset="-127"/>
-              </a:rPr>
-              <a:t>:   null</a:t>
-            </a:r>
-          </a:p>
-          <a:p>
-            <a:pPr lvl="1" indent="-342900">
-              <a:buFont typeface="Wingdings" panose="05000000000000000000" pitchFamily="2" charset="2"/>
-              <a:buNone/>
-            </a:pPr>
-            <a:endParaRPr lang="en-US" altLang="ko-KR" sz="1800" dirty="0">
-              <a:ea typeface="굴림" panose="020B0600000101010101" pitchFamily="50" charset="-127"/>
-            </a:endParaRPr>
-          </a:p>
-          <a:p>
-            <a:r>
-              <a:rPr lang="en-US" altLang="ko-KR" sz="2200" dirty="0">
-                <a:ea typeface="굴림" panose="020B0600000101010101" pitchFamily="50" charset="-127"/>
-              </a:rPr>
-              <a:t>JSON file: .json</a:t>
-            </a:r>
-          </a:p>
-          <a:p>
-            <a:endParaRPr lang="en-US" altLang="ko-KR" sz="2200" dirty="0">
-              <a:ea typeface="굴림" panose="020B0600000101010101" pitchFamily="50" charset="-127"/>
-            </a:endParaRPr>
-          </a:p>
-          <a:p>
-            <a:endParaRPr lang="ko-KR" altLang="en-US" sz="2000" dirty="0">
-              <a:ea typeface="굴림" panose="020B0600000101010101" pitchFamily="50" charset="-127"/>
-            </a:endParaRPr>
-          </a:p>
-        </p:txBody>
-      </p:sp>
-    </p:spTree>
-  </p:cSld>
-  <p:clrMapOvr>
-    <a:masterClrMapping/>
-  </p:clrMapOvr>
 </p:sld>
 </file>
 
